--- a/Sign Language for Alphabets/SLRS_PPT.pptx
+++ b/Sign Language for Alphabets/SLRS_PPT.pptx
@@ -5,7 +5,7 @@
     <p:sldMasterId id="2147483659" r:id="rId1"/>
   </p:sldMasterIdLst>
   <p:notesMasterIdLst>
-    <p:notesMasterId r:id="rId15"/>
+    <p:notesMasterId r:id="rId20"/>
   </p:notesMasterIdLst>
   <p:sldIdLst>
     <p:sldId id="256" r:id="rId2"/>
@@ -14,44 +14,49 @@
     <p:sldId id="259" r:id="rId5"/>
     <p:sldId id="268" r:id="rId6"/>
     <p:sldId id="269" r:id="rId7"/>
-    <p:sldId id="274" r:id="rId8"/>
-    <p:sldId id="275" r:id="rId9"/>
-    <p:sldId id="270" r:id="rId10"/>
-    <p:sldId id="271" r:id="rId11"/>
-    <p:sldId id="272" r:id="rId12"/>
-    <p:sldId id="273" r:id="rId13"/>
-    <p:sldId id="266" r:id="rId14"/>
+    <p:sldId id="276" r:id="rId8"/>
+    <p:sldId id="274" r:id="rId9"/>
+    <p:sldId id="275" r:id="rId10"/>
+    <p:sldId id="270" r:id="rId11"/>
+    <p:sldId id="271" r:id="rId12"/>
+    <p:sldId id="277" r:id="rId13"/>
+    <p:sldId id="278" r:id="rId14"/>
+    <p:sldId id="279" r:id="rId15"/>
+    <p:sldId id="272" r:id="rId16"/>
+    <p:sldId id="281" r:id="rId17"/>
+    <p:sldId id="273" r:id="rId18"/>
+    <p:sldId id="266" r:id="rId19"/>
   </p:sldIdLst>
   <p:sldSz cx="9144000" cy="5143500" type="screen16x9"/>
   <p:notesSz cx="6858000" cy="9144000"/>
   <p:embeddedFontLst>
     <p:embeddedFont>
       <p:font typeface="Fira Sans Extra Condensed" panose="020B0503050000020004" pitchFamily="34" charset="0"/>
-      <p:regular r:id="rId16"/>
-      <p:bold r:id="rId17"/>
-      <p:italic r:id="rId18"/>
-      <p:boldItalic r:id="rId19"/>
+      <p:regular r:id="rId21"/>
+      <p:bold r:id="rId22"/>
+      <p:italic r:id="rId23"/>
+      <p:boldItalic r:id="rId24"/>
     </p:embeddedFont>
     <p:embeddedFont>
       <p:font typeface="Fira Sans Extra Condensed SemiBold" panose="020B0604020202020204" charset="0"/>
-      <p:regular r:id="rId20"/>
-      <p:bold r:id="rId21"/>
-      <p:italic r:id="rId22"/>
-      <p:boldItalic r:id="rId23"/>
+      <p:regular r:id="rId25"/>
+      <p:bold r:id="rId26"/>
+      <p:italic r:id="rId27"/>
+      <p:boldItalic r:id="rId28"/>
     </p:embeddedFont>
     <p:embeddedFont>
       <p:font typeface="Roboto" panose="02000000000000000000" pitchFamily="2" charset="0"/>
-      <p:regular r:id="rId24"/>
-      <p:bold r:id="rId25"/>
-      <p:italic r:id="rId26"/>
-      <p:boldItalic r:id="rId27"/>
+      <p:regular r:id="rId29"/>
+      <p:bold r:id="rId30"/>
+      <p:italic r:id="rId31"/>
+      <p:boldItalic r:id="rId32"/>
     </p:embeddedFont>
     <p:embeddedFont>
       <p:font typeface="Roboto Medium" panose="02000000000000000000" pitchFamily="2" charset="0"/>
-      <p:regular r:id="rId28"/>
-      <p:bold r:id="rId29"/>
-      <p:italic r:id="rId30"/>
-      <p:boldItalic r:id="rId31"/>
+      <p:regular r:id="rId33"/>
+      <p:bold r:id="rId34"/>
+      <p:italic r:id="rId35"/>
+      <p:boldItalic r:id="rId36"/>
     </p:embeddedFont>
   </p:embeddedFontLst>
   <p:defaultTextStyle>
@@ -285,7 +290,18 @@
   </p:defaultTextStyle>
   <p:extLst>
     <p:ext uri="{EFAFB233-063F-42B5-8137-9DF3F51BA10A}">
-      <p15:sldGuideLst xmlns:p15="http://schemas.microsoft.com/office/powerpoint/2012/main"/>
+      <p15:sldGuideLst xmlns:p15="http://schemas.microsoft.com/office/powerpoint/2012/main">
+        <p15:guide id="1" orient="horz" pos="1620">
+          <p15:clr>
+            <a:srgbClr val="A4A3A4"/>
+          </p15:clr>
+        </p15:guide>
+        <p15:guide id="2" pos="2880">
+          <p15:clr>
+            <a:srgbClr val="A4A3A4"/>
+          </p15:clr>
+        </p15:guide>
+      </p15:sldGuideLst>
     </p:ext>
   </p:extLst>
 </p:presentation>
@@ -2093,6 +2109,15 @@
             </a:pPr>
             <a:fld id="{00000000-1234-1234-1234-123412341234}" type="slidenum">
               <a:rPr lang="en"/>
+              <a:pPr marL="0" lvl="0" indent="0" algn="r" rtl="0">
+                <a:spcBef>
+                  <a:spcPts val="0"/>
+                </a:spcBef>
+                <a:spcAft>
+                  <a:spcPts val="0"/>
+                </a:spcAft>
+                <a:buNone/>
+              </a:pPr>
               <a:t>‹#›</a:t>
             </a:fld>
             <a:endParaRPr/>
@@ -2721,6 +2746,15 @@
             </a:pPr>
             <a:fld id="{00000000-1234-1234-1234-123412341234}" type="slidenum">
               <a:rPr lang="en"/>
+              <a:pPr marL="0" lvl="0" indent="0" algn="r" rtl="0">
+                <a:spcBef>
+                  <a:spcPts val="0"/>
+                </a:spcBef>
+                <a:spcAft>
+                  <a:spcPts val="0"/>
+                </a:spcAft>
+                <a:buNone/>
+              </a:pPr>
               <a:t>‹#›</a:t>
             </a:fld>
             <a:endParaRPr/>
@@ -3027,6 +3061,15 @@
             </a:pPr>
             <a:fld id="{00000000-1234-1234-1234-123412341234}" type="slidenum">
               <a:rPr lang="en"/>
+              <a:pPr marL="0" lvl="0" indent="0" algn="r" rtl="0">
+                <a:spcBef>
+                  <a:spcPts val="0"/>
+                </a:spcBef>
+                <a:spcAft>
+                  <a:spcPts val="0"/>
+                </a:spcAft>
+                <a:buNone/>
+              </a:pPr>
               <a:t>‹#›</a:t>
             </a:fld>
             <a:endParaRPr/>
@@ -3556,6 +3599,15 @@
             </a:pPr>
             <a:fld id="{00000000-1234-1234-1234-123412341234}" type="slidenum">
               <a:rPr lang="en"/>
+              <a:pPr marL="0" lvl="0" indent="0" algn="r" rtl="0">
+                <a:spcBef>
+                  <a:spcPts val="0"/>
+                </a:spcBef>
+                <a:spcAft>
+                  <a:spcPts val="0"/>
+                </a:spcAft>
+                <a:buNone/>
+              </a:pPr>
               <a:t>‹#›</a:t>
             </a:fld>
             <a:endParaRPr/>
@@ -4460,6 +4512,15 @@
             </a:pPr>
             <a:fld id="{00000000-1234-1234-1234-123412341234}" type="slidenum">
               <a:rPr lang="en"/>
+              <a:pPr marL="0" lvl="0" indent="0" algn="r" rtl="0">
+                <a:spcBef>
+                  <a:spcPts val="0"/>
+                </a:spcBef>
+                <a:spcAft>
+                  <a:spcPts val="0"/>
+                </a:spcAft>
+                <a:buNone/>
+              </a:pPr>
               <a:t>‹#›</a:t>
             </a:fld>
             <a:endParaRPr/>
@@ -5152,6 +5213,15 @@
             </a:pPr>
             <a:fld id="{00000000-1234-1234-1234-123412341234}" type="slidenum">
               <a:rPr lang="en"/>
+              <a:pPr marL="0" lvl="0" indent="0" algn="r" rtl="0">
+                <a:spcBef>
+                  <a:spcPts val="0"/>
+                </a:spcBef>
+                <a:spcAft>
+                  <a:spcPts val="0"/>
+                </a:spcAft>
+                <a:buNone/>
+              </a:pPr>
               <a:t>‹#›</a:t>
             </a:fld>
             <a:endParaRPr/>
@@ -6001,6 +6071,15 @@
             </a:pPr>
             <a:fld id="{00000000-1234-1234-1234-123412341234}" type="slidenum">
               <a:rPr lang="en"/>
+              <a:pPr marL="0" lvl="0" indent="0" algn="r" rtl="0">
+                <a:spcBef>
+                  <a:spcPts val="0"/>
+                </a:spcBef>
+                <a:spcAft>
+                  <a:spcPts val="0"/>
+                </a:spcAft>
+                <a:buNone/>
+              </a:pPr>
               <a:t>‹#›</a:t>
             </a:fld>
             <a:endParaRPr/>
@@ -6693,6 +6772,15 @@
             </a:pPr>
             <a:fld id="{00000000-1234-1234-1234-123412341234}" type="slidenum">
               <a:rPr lang="en"/>
+              <a:pPr marL="0" lvl="0" indent="0" algn="r" rtl="0">
+                <a:spcBef>
+                  <a:spcPts val="0"/>
+                </a:spcBef>
+                <a:spcAft>
+                  <a:spcPts val="0"/>
+                </a:spcAft>
+                <a:buNone/>
+              </a:pPr>
               <a:t>‹#›</a:t>
             </a:fld>
             <a:endParaRPr/>
@@ -7159,6 +7247,15 @@
             </a:pPr>
             <a:fld id="{00000000-1234-1234-1234-123412341234}" type="slidenum">
               <a:rPr lang="en"/>
+              <a:pPr marL="0" lvl="0" indent="0" algn="r" rtl="0">
+                <a:spcBef>
+                  <a:spcPts val="0"/>
+                </a:spcBef>
+                <a:spcAft>
+                  <a:spcPts val="0"/>
+                </a:spcAft>
+                <a:buNone/>
+              </a:pPr>
               <a:t>‹#›</a:t>
             </a:fld>
             <a:endParaRPr/>
@@ -7785,6 +7882,15 @@
             </a:pPr>
             <a:fld id="{00000000-1234-1234-1234-123412341234}" type="slidenum">
               <a:rPr lang="en"/>
+              <a:pPr marL="0" lvl="0" indent="0" algn="r" rtl="0">
+                <a:spcBef>
+                  <a:spcPts val="0"/>
+                </a:spcBef>
+                <a:spcAft>
+                  <a:spcPts val="0"/>
+                </a:spcAft>
+                <a:buNone/>
+              </a:pPr>
               <a:t>‹#›</a:t>
             </a:fld>
             <a:endParaRPr/>
@@ -8310,6 +8416,15 @@
             </a:pPr>
             <a:fld id="{00000000-1234-1234-1234-123412341234}" type="slidenum">
               <a:rPr lang="en"/>
+              <a:pPr marL="0" lvl="0" indent="0" algn="r" rtl="0">
+                <a:spcBef>
+                  <a:spcPts val="0"/>
+                </a:spcBef>
+                <a:spcAft>
+                  <a:spcPts val="0"/>
+                </a:spcAft>
+                <a:buNone/>
+              </a:pPr>
               <a:t>‹#›</a:t>
             </a:fld>
             <a:endParaRPr/>
@@ -9160,6 +9275,15 @@
             </a:pPr>
             <a:fld id="{00000000-1234-1234-1234-123412341234}" type="slidenum">
               <a:rPr lang="en"/>
+              <a:pPr marL="0" lvl="0" indent="0" algn="r" rtl="0">
+                <a:spcBef>
+                  <a:spcPts val="0"/>
+                </a:spcBef>
+                <a:spcAft>
+                  <a:spcPts val="0"/>
+                </a:spcAft>
+                <a:buNone/>
+              </a:pPr>
               <a:t>‹#›</a:t>
             </a:fld>
             <a:endParaRPr/>
@@ -10019,6 +10143,14 @@
               </a:rPr>
               <a:t>Machine Learning</a:t>
             </a:r>
+            <a:br>
+              <a:rPr lang="en-US" sz="2000" dirty="0">
+                <a:latin typeface="Roboto Medium"/>
+                <a:ea typeface="Roboto Medium"/>
+                <a:cs typeface="Roboto Medium"/>
+                <a:sym typeface="Roboto Medium"/>
+              </a:rPr>
+            </a:br>
             <a:endParaRPr sz="2000" dirty="0">
               <a:latin typeface="Roboto Medium"/>
               <a:ea typeface="Roboto Medium"/>
@@ -10072,6 +10204,19 @@
             </a:pPr>
             <a:fld id="{00000000-1234-1234-1234-123412341234}" type="slidenum">
               <a:rPr lang="en"/>
+              <a:pPr marL="0" lvl="0" indent="0" algn="r" rtl="0">
+                <a:lnSpc>
+                  <a:spcPct val="100000"/>
+                </a:lnSpc>
+                <a:spcBef>
+                  <a:spcPts val="0"/>
+                </a:spcBef>
+                <a:spcAft>
+                  <a:spcPts val="0"/>
+                </a:spcAft>
+                <a:buSzPts val="1300"/>
+                <a:buNone/>
+              </a:pPr>
               <a:t>1</a:t>
             </a:fld>
             <a:endParaRPr/>
@@ -10118,7 +10263,7 @@
         <p:spPr>
           <a:xfrm>
             <a:off x="564831" y="432547"/>
-            <a:ext cx="8267100" cy="3070041"/>
+            <a:ext cx="8267100" cy="4455035"/>
           </a:xfrm>
           <a:prstGeom prst="rect">
             <a:avLst/>
@@ -10153,7 +10298,7 @@
                 <a:cs typeface="Fira Sans Extra Condensed"/>
                 <a:sym typeface="Fira Sans Extra Condensed"/>
               </a:rPr>
-              <a:t>Proposed Solution</a:t>
+              <a:t>Problem Statement</a:t>
             </a:r>
           </a:p>
           <a:p>
@@ -10192,20 +10337,91 @@
               <a:buChar char="•"/>
             </a:pPr>
             <a:r>
+              <a:rPr lang="en-IN" sz="1500" dirty="0">
+                <a:latin typeface="+mj-lt"/>
+                <a:ea typeface="Fira Sans Extra Condensed"/>
+                <a:cs typeface="Fira Sans Extra Condensed"/>
+                <a:sym typeface="Fira Sans Extra Condensed"/>
+              </a:rPr>
+              <a:t>A communication gap occurs when conversing with a speech and hearing-impaired person if we don’t know the sign language.</a:t>
+            </a:r>
+            <a:r>
               <a:rPr lang="en-US" sz="1500" dirty="0">
                 <a:latin typeface="+mj-lt"/>
                 <a:ea typeface="Fira Sans Extra Condensed"/>
                 <a:cs typeface="Fira Sans Extra Condensed"/>
                 <a:sym typeface="Fira Sans Extra Condensed"/>
               </a:rPr>
-              <a:t>Load the datasets from Kaggle, divide into two parts –</a:t>
+              <a:t>Sign language is important as it gives the bridge sport to the common people and people containing hearing and vocal disabilities.</a:t>
             </a:r>
           </a:p>
           <a:p>
-            <a:pPr marL="368300" lvl="2" indent="-285750">
+            <a:pPr marL="368300" lvl="0" indent="-285750" algn="l" rtl="0">
               <a:lnSpc>
                 <a:spcPct val="150000"/>
               </a:lnSpc>
+              <a:spcBef>
+                <a:spcPts val="0"/>
+              </a:spcBef>
+              <a:spcAft>
+                <a:spcPts val="0"/>
+              </a:spcAft>
+              <a:buSzPts val="2300"/>
+              <a:buFont typeface="Arial" panose="020B0604020202020204" pitchFamily="34" charset="0"/>
+              <a:buChar char="•"/>
+            </a:pPr>
+            <a:r>
+              <a:rPr lang="en-IN" sz="1500" dirty="0">
+                <a:latin typeface="+mj-lt"/>
+                <a:ea typeface="Fira Sans Extra Condensed"/>
+                <a:cs typeface="Fira Sans Extra Condensed"/>
+                <a:sym typeface="Fira Sans Extra Condensed"/>
+              </a:rPr>
+              <a:t>The deaf and mute communicate through hand gestures ,but if the normal people can't understand the sign language, they might face problems in understanding what the former is conveying.</a:t>
+            </a:r>
+          </a:p>
+          <a:p>
+            <a:pPr marL="368300" lvl="0" indent="-285750" algn="l" rtl="0">
+              <a:lnSpc>
+                <a:spcPct val="150000"/>
+              </a:lnSpc>
+              <a:spcBef>
+                <a:spcPts val="0"/>
+              </a:spcBef>
+              <a:spcAft>
+                <a:spcPts val="0"/>
+              </a:spcAft>
+              <a:buSzPts val="2300"/>
+              <a:buFont typeface="Arial" panose="020B0604020202020204" pitchFamily="34" charset="0"/>
+              <a:buChar char="•"/>
+            </a:pPr>
+            <a:r>
+              <a:rPr lang="en-IN" sz="1500" dirty="0">
+                <a:latin typeface="+mj-lt"/>
+                <a:ea typeface="Fira Sans Extra Condensed"/>
+                <a:cs typeface="Fira Sans Extra Condensed"/>
+                <a:sym typeface="Fira Sans Extra Condensed"/>
+              </a:rPr>
+              <a:t>In order to solve this problem, we use sign language recognition system to bridge this communication gap.</a:t>
+            </a:r>
+            <a:endParaRPr lang="en-US" sz="1500" dirty="0">
+              <a:latin typeface="+mj-lt"/>
+              <a:ea typeface="Fira Sans Extra Condensed"/>
+              <a:cs typeface="Fira Sans Extra Condensed"/>
+              <a:sym typeface="Fira Sans Extra Condensed"/>
+            </a:endParaRPr>
+          </a:p>
+          <a:p>
+            <a:pPr marL="368300" lvl="0" indent="-285750" algn="l" rtl="0">
+              <a:lnSpc>
+                <a:spcPct val="150000"/>
+              </a:lnSpc>
+              <a:spcBef>
+                <a:spcPts val="0"/>
+              </a:spcBef>
+              <a:spcAft>
+                <a:spcPts val="0"/>
+              </a:spcAft>
               <a:buSzPts val="2300"/>
               <a:buFont typeface="Arial" panose="020B0604020202020204" pitchFamily="34" charset="0"/>
               <a:buChar char="•"/>
@@ -10217,18 +10433,17 @@
                 <a:cs typeface="Fira Sans Extra Condensed"/>
                 <a:sym typeface="Fira Sans Extra Condensed"/>
               </a:rPr>
-              <a:t>One to train and other for testing</a:t>
+              <a:t>Experimental Analysis of these machine learning algorithms </a:t>
             </a:r>
-          </a:p>
-          <a:p>
-            <a:pPr marL="368300" lvl="2" indent="-285750">
-              <a:lnSpc>
-                <a:spcPct val="150000"/>
-              </a:lnSpc>
-              <a:buSzPts val="2300"/>
-              <a:buFont typeface="Arial" panose="020B0604020202020204" pitchFamily="34" charset="0"/>
-              <a:buChar char="•"/>
-            </a:pPr>
+            <a:r>
+              <a:rPr lang="en-US" sz="1500" dirty="0" err="1">
+                <a:latin typeface="+mj-lt"/>
+                <a:ea typeface="Fira Sans Extra Condensed"/>
+                <a:cs typeface="Fira Sans Extra Condensed"/>
+                <a:sym typeface="Fira Sans Extra Condensed"/>
+              </a:rPr>
+              <a:t>XGBoost</a:t>
+            </a:r>
             <a:r>
               <a:rPr lang="en-US" sz="1500" dirty="0">
                 <a:latin typeface="+mj-lt"/>
@@ -10236,18 +10451,17 @@
                 <a:cs typeface="Fira Sans Extra Condensed"/>
                 <a:sym typeface="Fira Sans Extra Condensed"/>
               </a:rPr>
-              <a:t>Image Augmentation and Preprocess the data</a:t>
+              <a:t>, </a:t>
             </a:r>
-          </a:p>
-          <a:p>
-            <a:pPr marL="368300" lvl="2" indent="-285750">
-              <a:lnSpc>
-                <a:spcPct val="150000"/>
-              </a:lnSpc>
-              <a:buSzPts val="2300"/>
-              <a:buFont typeface="Arial" panose="020B0604020202020204" pitchFamily="34" charset="0"/>
-              <a:buChar char="•"/>
-            </a:pPr>
+            <a:r>
+              <a:rPr lang="en-US" sz="1500" dirty="0" err="1">
+                <a:latin typeface="+mj-lt"/>
+                <a:ea typeface="Fira Sans Extra Condensed"/>
+                <a:cs typeface="Fira Sans Extra Condensed"/>
+                <a:sym typeface="Fira Sans Extra Condensed"/>
+              </a:rPr>
+              <a:t>LightGBM</a:t>
+            </a:r>
             <a:r>
               <a:rPr lang="en-US" sz="1500" dirty="0">
                 <a:latin typeface="+mj-lt"/>
@@ -10255,45 +10469,7 @@
                 <a:cs typeface="Fira Sans Extra Condensed"/>
                 <a:sym typeface="Fira Sans Extra Condensed"/>
               </a:rPr>
-              <a:t>To get better feature extraction – used CNN layering model on images </a:t>
-            </a:r>
-          </a:p>
-          <a:p>
-            <a:pPr marL="368300" lvl="2" indent="-285750">
-              <a:lnSpc>
-                <a:spcPct val="150000"/>
-              </a:lnSpc>
-              <a:buSzPts val="2300"/>
-              <a:buFont typeface="Arial" panose="020B0604020202020204" pitchFamily="34" charset="0"/>
-              <a:buChar char="•"/>
-            </a:pPr>
-            <a:r>
-              <a:rPr lang="en-US" sz="1500" dirty="0">
-                <a:latin typeface="+mj-lt"/>
-                <a:ea typeface="Fira Sans Extra Condensed"/>
-                <a:cs typeface="Fira Sans Extra Condensed"/>
-                <a:sym typeface="Fira Sans Extra Condensed"/>
-              </a:rPr>
-              <a:t>Train each ML algo and predict on test folder dataset</a:t>
-            </a:r>
-          </a:p>
-          <a:p>
-            <a:pPr marL="368300" lvl="2" indent="-285750">
-              <a:lnSpc>
-                <a:spcPct val="150000"/>
-              </a:lnSpc>
-              <a:buSzPts val="2300"/>
-              <a:buFont typeface="Arial" panose="020B0604020202020204" pitchFamily="34" charset="0"/>
-              <a:buChar char="•"/>
-            </a:pPr>
-            <a:r>
-              <a:rPr lang="en-US" sz="1500" dirty="0">
-                <a:latin typeface="+mj-lt"/>
-                <a:ea typeface="Fira Sans Extra Condensed"/>
-                <a:cs typeface="Fira Sans Extra Condensed"/>
-                <a:sym typeface="Fira Sans Extra Condensed"/>
-              </a:rPr>
-              <a:t>Providing classification report and accuracy</a:t>
+              <a:t>, Support Vector Machine, Decision Tree, and Random Forest in the area of SLRS.</a:t>
             </a:r>
           </a:p>
         </p:txBody>
@@ -10301,7 +10477,7 @@
     </p:spTree>
     <p:extLst>
       <p:ext uri="{BB962C8B-B14F-4D97-AF65-F5344CB8AC3E}">
-        <p14:creationId xmlns:p14="http://schemas.microsoft.com/office/powerpoint/2010/main" val="3434753877"/>
+        <p14:creationId xmlns:p14="http://schemas.microsoft.com/office/powerpoint/2010/main" val="3614502053"/>
       </p:ext>
     </p:extLst>
   </p:cSld>
@@ -10343,7 +10519,7 @@
         <p:spPr>
           <a:xfrm>
             <a:off x="564831" y="432547"/>
-            <a:ext cx="8267100" cy="1338798"/>
+            <a:ext cx="8267100" cy="3762538"/>
           </a:xfrm>
           <a:prstGeom prst="rect">
             <a:avLst/>
@@ -10378,9 +10554,864 @@
                 <a:cs typeface="Fira Sans Extra Condensed"/>
                 <a:sym typeface="Fira Sans Extra Condensed"/>
               </a:rPr>
+              <a:t>Proposed Solution</a:t>
+            </a:r>
+          </a:p>
+          <a:p>
+            <a:pPr marL="82550" lvl="0" algn="l" rtl="0">
+              <a:lnSpc>
+                <a:spcPct val="150000"/>
+              </a:lnSpc>
+              <a:spcBef>
+                <a:spcPts val="0"/>
+              </a:spcBef>
+              <a:spcAft>
+                <a:spcPts val="0"/>
+              </a:spcAft>
+              <a:buSzPts val="2300"/>
+            </a:pPr>
+            <a:endParaRPr lang="en-US" sz="1500" b="1" dirty="0">
+              <a:latin typeface="+mj-lt"/>
+              <a:ea typeface="Fira Sans Extra Condensed"/>
+              <a:cs typeface="Fira Sans Extra Condensed"/>
+              <a:sym typeface="Fira Sans Extra Condensed"/>
+            </a:endParaRPr>
+          </a:p>
+          <a:p>
+            <a:pPr marL="368300" lvl="0" indent="-285750">
+              <a:lnSpc>
+                <a:spcPct val="150000"/>
+              </a:lnSpc>
+              <a:buSzPts val="2300"/>
+              <a:buFont typeface="Arial" panose="020B0604020202020204" pitchFamily="34" charset="0"/>
+              <a:buChar char="•"/>
+            </a:pPr>
+            <a:r>
+              <a:rPr lang="en-US" sz="1500" dirty="0"/>
+              <a:t>Here we adopt the sequential method of machine learning which means we can import or export the data sequence like text streams, audio clips, video clips, time-series data, etc.,</a:t>
+            </a:r>
+            <a:endParaRPr lang="en-US" sz="1500" dirty="0">
+              <a:latin typeface="+mj-lt"/>
+              <a:ea typeface="Fira Sans Extra Condensed"/>
+              <a:cs typeface="Fira Sans Extra Condensed"/>
+              <a:sym typeface="Fira Sans Extra Condensed"/>
+            </a:endParaRPr>
+          </a:p>
+          <a:p>
+            <a:pPr marL="368300" lvl="0" indent="-285750" algn="l" rtl="0">
+              <a:lnSpc>
+                <a:spcPct val="150000"/>
+              </a:lnSpc>
+              <a:spcBef>
+                <a:spcPts val="0"/>
+              </a:spcBef>
+              <a:spcAft>
+                <a:spcPts val="0"/>
+              </a:spcAft>
+              <a:buSzPts val="2300"/>
+              <a:buFont typeface="Arial" panose="020B0604020202020204" pitchFamily="34" charset="0"/>
+              <a:buChar char="•"/>
+            </a:pPr>
+            <a:r>
+              <a:rPr lang="en-US" sz="1500" dirty="0">
+                <a:latin typeface="+mj-lt"/>
+                <a:ea typeface="Fira Sans Extra Condensed"/>
+                <a:cs typeface="Fira Sans Extra Condensed"/>
+                <a:sym typeface="Fira Sans Extra Condensed"/>
+              </a:rPr>
+              <a:t>Load the datasets from </a:t>
+            </a:r>
+            <a:r>
+              <a:rPr lang="en-US" sz="1500" dirty="0" err="1">
+                <a:latin typeface="+mj-lt"/>
+                <a:ea typeface="Fira Sans Extra Condensed"/>
+                <a:cs typeface="Fira Sans Extra Condensed"/>
+                <a:sym typeface="Fira Sans Extra Condensed"/>
+              </a:rPr>
+              <a:t>Kaggle</a:t>
+            </a:r>
+            <a:r>
+              <a:rPr lang="en-US" sz="1500" dirty="0">
+                <a:latin typeface="+mj-lt"/>
+                <a:ea typeface="Fira Sans Extra Condensed"/>
+                <a:cs typeface="Fira Sans Extra Condensed"/>
+                <a:sym typeface="Fira Sans Extra Condensed"/>
+              </a:rPr>
+              <a:t>, divide into two parts –</a:t>
+            </a:r>
+          </a:p>
+          <a:p>
+            <a:pPr marL="368300" lvl="2" indent="-285750">
+              <a:lnSpc>
+                <a:spcPct val="150000"/>
+              </a:lnSpc>
+              <a:buSzPts val="2300"/>
+              <a:buFont typeface="Arial" panose="020B0604020202020204" pitchFamily="34" charset="0"/>
+              <a:buChar char="•"/>
+            </a:pPr>
+            <a:r>
+              <a:rPr lang="en-US" sz="1500" dirty="0">
+                <a:latin typeface="+mj-lt"/>
+                <a:ea typeface="Fira Sans Extra Condensed"/>
+                <a:cs typeface="Fira Sans Extra Condensed"/>
+                <a:sym typeface="Fira Sans Extra Condensed"/>
+              </a:rPr>
+              <a:t>One to train and other for testing</a:t>
+            </a:r>
+          </a:p>
+          <a:p>
+            <a:pPr marL="368300" lvl="2" indent="-285750">
+              <a:lnSpc>
+                <a:spcPct val="150000"/>
+              </a:lnSpc>
+              <a:buSzPts val="2300"/>
+              <a:buFont typeface="Arial" panose="020B0604020202020204" pitchFamily="34" charset="0"/>
+              <a:buChar char="•"/>
+            </a:pPr>
+            <a:r>
+              <a:rPr lang="en-US" sz="1500" dirty="0">
+                <a:latin typeface="+mj-lt"/>
+                <a:ea typeface="Fira Sans Extra Condensed"/>
+                <a:cs typeface="Fira Sans Extra Condensed"/>
+                <a:sym typeface="Fira Sans Extra Condensed"/>
+              </a:rPr>
+              <a:t>Image Augmentation and Preprocess the data</a:t>
+            </a:r>
+          </a:p>
+          <a:p>
+            <a:pPr marL="368300" lvl="2" indent="-285750">
+              <a:lnSpc>
+                <a:spcPct val="150000"/>
+              </a:lnSpc>
+              <a:buSzPts val="2300"/>
+              <a:buFont typeface="Arial" panose="020B0604020202020204" pitchFamily="34" charset="0"/>
+              <a:buChar char="•"/>
+            </a:pPr>
+            <a:r>
+              <a:rPr lang="en-US" sz="1500" dirty="0">
+                <a:latin typeface="+mj-lt"/>
+                <a:ea typeface="Fira Sans Extra Condensed"/>
+                <a:cs typeface="Fira Sans Extra Condensed"/>
+                <a:sym typeface="Fira Sans Extra Condensed"/>
+              </a:rPr>
+              <a:t>To get better feature extraction – used CNN layering model on images </a:t>
+            </a:r>
+          </a:p>
+          <a:p>
+            <a:pPr marL="368300" lvl="2" indent="-285750">
+              <a:lnSpc>
+                <a:spcPct val="150000"/>
+              </a:lnSpc>
+              <a:buSzPts val="2300"/>
+              <a:buFont typeface="Arial" panose="020B0604020202020204" pitchFamily="34" charset="0"/>
+              <a:buChar char="•"/>
+            </a:pPr>
+            <a:r>
+              <a:rPr lang="en-US" sz="1500" dirty="0">
+                <a:latin typeface="+mj-lt"/>
+                <a:ea typeface="Fira Sans Extra Condensed"/>
+                <a:cs typeface="Fira Sans Extra Condensed"/>
+                <a:sym typeface="Fira Sans Extra Condensed"/>
+              </a:rPr>
+              <a:t>Train each ML algorithm and predict on test folder dataset</a:t>
+            </a:r>
+          </a:p>
+          <a:p>
+            <a:pPr marL="368300" lvl="2" indent="-285750">
+              <a:lnSpc>
+                <a:spcPct val="150000"/>
+              </a:lnSpc>
+              <a:buSzPts val="2300"/>
+              <a:buFont typeface="Arial" panose="020B0604020202020204" pitchFamily="34" charset="0"/>
+              <a:buChar char="•"/>
+            </a:pPr>
+            <a:r>
+              <a:rPr lang="en-US" sz="1500" dirty="0">
+                <a:latin typeface="+mj-lt"/>
+                <a:ea typeface="Fira Sans Extra Condensed"/>
+                <a:cs typeface="Fira Sans Extra Condensed"/>
+                <a:sym typeface="Fira Sans Extra Condensed"/>
+              </a:rPr>
+              <a:t>Providing classification report and accuracy</a:t>
+            </a:r>
+          </a:p>
+        </p:txBody>
+      </p:sp>
+    </p:spTree>
+    <p:extLst>
+      <p:ext uri="{BB962C8B-B14F-4D97-AF65-F5344CB8AC3E}">
+        <p14:creationId xmlns:p14="http://schemas.microsoft.com/office/powerpoint/2010/main" val="3434753877"/>
+      </p:ext>
+    </p:extLst>
+  </p:cSld>
+  <p:clrMapOvr>
+    <a:masterClrMapping/>
+  </p:clrMapOvr>
+</p:sld>
+</file>
+
+<file path=ppt/slides/slide12.xml><?xml version="1.0" encoding="utf-8"?>
+<p:sld xmlns:a="http://schemas.openxmlformats.org/drawingml/2006/main" xmlns:r="http://schemas.openxmlformats.org/officeDocument/2006/relationships" xmlns:p="http://schemas.openxmlformats.org/presentationml/2006/main">
+  <p:cSld>
+    <p:spTree>
+      <p:nvGrpSpPr>
+        <p:cNvPr id="1" name=""/>
+        <p:cNvGrpSpPr/>
+        <p:nvPr/>
+      </p:nvGrpSpPr>
+      <p:grpSpPr>
+        <a:xfrm>
+          <a:off x="0" y="0"/>
+          <a:ext cx="0" cy="0"/>
+          <a:chOff x="0" y="0"/>
+          <a:chExt cx="0" cy="0"/>
+        </a:xfrm>
+      </p:grpSpPr>
+      <p:sp>
+        <p:nvSpPr>
+          <p:cNvPr id="6" name="Title 5"/>
+          <p:cNvSpPr>
+            <a:spLocks noGrp="1"/>
+          </p:cNvSpPr>
+          <p:nvPr>
+            <p:ph type="title"/>
+          </p:nvPr>
+        </p:nvSpPr>
+        <p:spPr>
+          <a:xfrm>
+            <a:off x="94005" y="2764565"/>
+            <a:ext cx="8354862" cy="2378936"/>
+          </a:xfrm>
+        </p:spPr>
+        <p:txBody>
+          <a:bodyPr/>
+          <a:lstStyle/>
+          <a:p>
+            <a:pPr algn="l"/>
+            <a:br>
+              <a:rPr lang="en-US" sz="1500" dirty="0">
+                <a:latin typeface="+mj-lt"/>
+              </a:rPr>
+            </a:br>
+            <a:r>
+              <a:rPr lang="en-US" sz="1500" dirty="0">
+                <a:latin typeface="+mj-lt"/>
+              </a:rPr>
+              <a:t>The above diagram shows us hoe the sign language recognition system works.</a:t>
+            </a:r>
+            <a:br>
+              <a:rPr lang="en-US" sz="1500" dirty="0">
+                <a:latin typeface="+mj-lt"/>
+              </a:rPr>
+            </a:br>
+            <a:br>
+              <a:rPr lang="en-US" sz="1500" dirty="0">
+                <a:latin typeface="+mj-lt"/>
+              </a:rPr>
+            </a:br>
+            <a:r>
+              <a:rPr lang="en-US" sz="1500" dirty="0">
+                <a:latin typeface="+mj-lt"/>
+              </a:rPr>
+              <a:t>First, we will collect the data with all hand gestures images files and categorize them with labels.</a:t>
+            </a:r>
+            <a:br>
+              <a:rPr lang="en-US" sz="1500" dirty="0">
+                <a:latin typeface="+mj-lt"/>
+              </a:rPr>
+            </a:br>
+            <a:br>
+              <a:rPr lang="en-US" sz="1500" dirty="0">
+                <a:latin typeface="+mj-lt"/>
+              </a:rPr>
+            </a:br>
+            <a:r>
+              <a:rPr lang="en-US" sz="1500" dirty="0">
+                <a:latin typeface="+mj-lt"/>
+              </a:rPr>
+              <a:t>On the collected dataset, we divided our approach to tackling the classification problem into three stages.</a:t>
+            </a:r>
+            <a:br>
+              <a:rPr lang="en-US" sz="1500" dirty="0">
+                <a:latin typeface="+mj-lt"/>
+              </a:rPr>
+            </a:br>
+            <a:br>
+              <a:rPr lang="en-US" sz="1500" dirty="0">
+                <a:latin typeface="+mj-lt"/>
+              </a:rPr>
+            </a:br>
+            <a:br>
+              <a:rPr lang="en-US" sz="1500" dirty="0">
+                <a:latin typeface="+mj-lt"/>
+              </a:rPr>
+            </a:br>
+            <a:endParaRPr lang="en-US" sz="1500" dirty="0">
+              <a:latin typeface="+mj-lt"/>
+            </a:endParaRPr>
+          </a:p>
+        </p:txBody>
+      </p:sp>
+      <p:sp>
+        <p:nvSpPr>
+          <p:cNvPr id="3" name="Slide Number Placeholder 2"/>
+          <p:cNvSpPr>
+            <a:spLocks noGrp="1"/>
+          </p:cNvSpPr>
+          <p:nvPr>
+            <p:ph type="sldNum" idx="12"/>
+          </p:nvPr>
+        </p:nvSpPr>
+        <p:spPr/>
+        <p:txBody>
+          <a:bodyPr/>
+          <a:lstStyle/>
+          <a:p>
+            <a:pPr marL="0" lvl="0" indent="0" algn="r" rtl="0">
+              <a:spcBef>
+                <a:spcPts val="0"/>
+              </a:spcBef>
+              <a:spcAft>
+                <a:spcPts val="0"/>
+              </a:spcAft>
+              <a:buNone/>
+            </a:pPr>
+            <a:fld id="{00000000-1234-1234-1234-123412341234}" type="slidenum">
+              <a:rPr lang="en" smtClean="0"/>
+              <a:pPr marL="0" lvl="0" indent="0" algn="r" rtl="0">
+                <a:spcBef>
+                  <a:spcPts val="0"/>
+                </a:spcBef>
+                <a:spcAft>
+                  <a:spcPts val="0"/>
+                </a:spcAft>
+                <a:buNone/>
+              </a:pPr>
+              <a:t>12</a:t>
+            </a:fld>
+            <a:endParaRPr lang="en"/>
+          </a:p>
+        </p:txBody>
+      </p:sp>
+      <p:pic>
+        <p:nvPicPr>
+          <p:cNvPr id="2050" name="Picture 2"/>
+          <p:cNvPicPr>
+            <a:picLocks noChangeAspect="1" noChangeArrowheads="1"/>
+          </p:cNvPicPr>
+          <p:nvPr/>
+        </p:nvPicPr>
+        <p:blipFill>
+          <a:blip r:embed="rId2"/>
+          <a:srcRect/>
+          <a:stretch>
+            <a:fillRect/>
+          </a:stretch>
+        </p:blipFill>
+        <p:spPr bwMode="auto">
+          <a:xfrm>
+            <a:off x="273465" y="1"/>
+            <a:ext cx="3277313" cy="2884184"/>
+          </a:xfrm>
+          <a:prstGeom prst="rect">
+            <a:avLst/>
+          </a:prstGeom>
+          <a:noFill/>
+          <a:ln w="9525">
+            <a:noFill/>
+            <a:miter lim="800000"/>
+            <a:headEnd/>
+            <a:tailEnd/>
+          </a:ln>
+          <a:effectLst/>
+        </p:spPr>
+      </p:pic>
+    </p:spTree>
+  </p:cSld>
+  <p:clrMapOvr>
+    <a:masterClrMapping/>
+  </p:clrMapOvr>
+</p:sld>
+</file>
+
+<file path=ppt/slides/slide13.xml><?xml version="1.0" encoding="utf-8"?>
+<p:sld xmlns:a="http://schemas.openxmlformats.org/drawingml/2006/main" xmlns:r="http://schemas.openxmlformats.org/officeDocument/2006/relationships" xmlns:p="http://schemas.openxmlformats.org/presentationml/2006/main">
+  <p:cSld>
+    <p:spTree>
+      <p:nvGrpSpPr>
+        <p:cNvPr id="1" name=""/>
+        <p:cNvGrpSpPr/>
+        <p:nvPr/>
+      </p:nvGrpSpPr>
+      <p:grpSpPr>
+        <a:xfrm>
+          <a:off x="0" y="0"/>
+          <a:ext cx="0" cy="0"/>
+          <a:chOff x="0" y="0"/>
+          <a:chExt cx="0" cy="0"/>
+        </a:xfrm>
+      </p:grpSpPr>
+      <p:sp>
+        <p:nvSpPr>
+          <p:cNvPr id="5" name="Text Placeholder 4"/>
+          <p:cNvSpPr>
+            <a:spLocks noGrp="1"/>
+          </p:cNvSpPr>
+          <p:nvPr>
+            <p:ph type="body" idx="1"/>
+          </p:nvPr>
+        </p:nvSpPr>
+        <p:spPr>
+          <a:xfrm>
+            <a:off x="457325" y="1491625"/>
+            <a:ext cx="8238600" cy="1809136"/>
+          </a:xfrm>
+        </p:spPr>
+        <p:txBody>
+          <a:bodyPr/>
+          <a:lstStyle/>
+          <a:p>
+            <a:pPr>
+              <a:buFont typeface="Arial" panose="020B0604020202020204" pitchFamily="34" charset="0"/>
+              <a:buChar char="•"/>
+            </a:pPr>
+            <a:r>
+              <a:rPr lang="en-US" sz="1500" dirty="0">
+                <a:latin typeface="+mj-lt"/>
+              </a:rPr>
+              <a:t>The first stage is to load the data after importing</a:t>
+            </a:r>
+          </a:p>
+          <a:p>
+            <a:pPr>
+              <a:buFont typeface="Arial" panose="020B0604020202020204" pitchFamily="34" charset="0"/>
+              <a:buChar char="•"/>
+            </a:pPr>
+            <a:r>
+              <a:rPr lang="en-US" sz="1500" dirty="0">
+                <a:latin typeface="+mj-lt"/>
+              </a:rPr>
+              <a:t>Create final data frame by clubbing all the images along with alphabet labels.</a:t>
+            </a:r>
+          </a:p>
+          <a:p>
+            <a:pPr>
+              <a:buFont typeface="Arial" panose="020B0604020202020204" pitchFamily="34" charset="0"/>
+              <a:buChar char="•"/>
+            </a:pPr>
+            <a:r>
+              <a:rPr lang="en-US" sz="1500" dirty="0">
+                <a:latin typeface="+mj-lt"/>
+              </a:rPr>
+              <a:t>Perform data augmentation for those images</a:t>
+            </a:r>
+          </a:p>
+          <a:p>
+            <a:pPr>
+              <a:buFont typeface="Arial" panose="020B0604020202020204" pitchFamily="34" charset="0"/>
+              <a:buChar char="•"/>
+            </a:pPr>
+            <a:r>
+              <a:rPr lang="en-US" sz="1500" dirty="0">
+                <a:latin typeface="+mj-lt"/>
+              </a:rPr>
+              <a:t>Preprocess the data using CNN modal layering to extract good features</a:t>
+            </a:r>
+          </a:p>
+          <a:p>
+            <a:pPr>
+              <a:buFont typeface="Arial" panose="020B0604020202020204" pitchFamily="34" charset="0"/>
+              <a:buChar char="•"/>
+            </a:pPr>
+            <a:r>
+              <a:rPr lang="en-US" sz="1500" dirty="0">
+                <a:latin typeface="+mj-lt"/>
+              </a:rPr>
+              <a:t>Load the data into each machine learning algorithm</a:t>
+            </a:r>
+          </a:p>
+        </p:txBody>
+      </p:sp>
+      <p:sp>
+        <p:nvSpPr>
+          <p:cNvPr id="4" name="Title 3"/>
+          <p:cNvSpPr>
+            <a:spLocks noGrp="1"/>
+          </p:cNvSpPr>
+          <p:nvPr>
+            <p:ph type="title"/>
+          </p:nvPr>
+        </p:nvSpPr>
+        <p:spPr/>
+        <p:txBody>
+          <a:bodyPr/>
+          <a:lstStyle/>
+          <a:p>
+            <a:r>
+              <a:rPr lang="en-IN" dirty="0">
+                <a:solidFill>
+                  <a:srgbClr val="0070C0"/>
+                </a:solidFill>
+                <a:latin typeface="+mj-lt"/>
+              </a:rPr>
+              <a:t>Proposed Solution</a:t>
+            </a:r>
+            <a:endParaRPr lang="en-US" dirty="0">
+              <a:solidFill>
+                <a:srgbClr val="0070C0"/>
+              </a:solidFill>
+              <a:latin typeface="+mj-lt"/>
+            </a:endParaRPr>
+          </a:p>
+        </p:txBody>
+      </p:sp>
+      <p:sp>
+        <p:nvSpPr>
+          <p:cNvPr id="3" name="Slide Number Placeholder 2"/>
+          <p:cNvSpPr>
+            <a:spLocks noGrp="1"/>
+          </p:cNvSpPr>
+          <p:nvPr>
+            <p:ph type="sldNum" idx="12"/>
+          </p:nvPr>
+        </p:nvSpPr>
+        <p:spPr/>
+        <p:txBody>
+          <a:bodyPr/>
+          <a:lstStyle/>
+          <a:p>
+            <a:pPr marL="0" lvl="0" indent="0" algn="r" rtl="0">
+              <a:spcBef>
+                <a:spcPts val="0"/>
+              </a:spcBef>
+              <a:spcAft>
+                <a:spcPts val="0"/>
+              </a:spcAft>
+              <a:buNone/>
+            </a:pPr>
+            <a:fld id="{00000000-1234-1234-1234-123412341234}" type="slidenum">
+              <a:rPr lang="en" smtClean="0"/>
+              <a:pPr marL="0" lvl="0" indent="0" algn="r" rtl="0">
+                <a:spcBef>
+                  <a:spcPts val="0"/>
+                </a:spcBef>
+                <a:spcAft>
+                  <a:spcPts val="0"/>
+                </a:spcAft>
+                <a:buNone/>
+              </a:pPr>
+              <a:t>13</a:t>
+            </a:fld>
+            <a:endParaRPr lang="en"/>
+          </a:p>
+        </p:txBody>
+      </p:sp>
+    </p:spTree>
+  </p:cSld>
+  <p:clrMapOvr>
+    <a:masterClrMapping/>
+  </p:clrMapOvr>
+</p:sld>
+</file>
+
+<file path=ppt/slides/slide14.xml><?xml version="1.0" encoding="utf-8"?>
+<p:sld xmlns:a="http://schemas.openxmlformats.org/drawingml/2006/main" xmlns:r="http://schemas.openxmlformats.org/officeDocument/2006/relationships" xmlns:p="http://schemas.openxmlformats.org/presentationml/2006/main">
+  <p:cSld>
+    <p:spTree>
+      <p:nvGrpSpPr>
+        <p:cNvPr id="1" name=""/>
+        <p:cNvGrpSpPr/>
+        <p:nvPr/>
+      </p:nvGrpSpPr>
+      <p:grpSpPr>
+        <a:xfrm>
+          <a:off x="0" y="0"/>
+          <a:ext cx="0" cy="0"/>
+          <a:chOff x="0" y="0"/>
+          <a:chExt cx="0" cy="0"/>
+        </a:xfrm>
+      </p:grpSpPr>
+      <p:sp>
+        <p:nvSpPr>
+          <p:cNvPr id="2" name="Text Placeholder 1"/>
+          <p:cNvSpPr>
+            <a:spLocks noGrp="1"/>
+          </p:cNvSpPr>
+          <p:nvPr>
+            <p:ph type="body" idx="1"/>
+          </p:nvPr>
+        </p:nvSpPr>
+        <p:spPr>
+          <a:xfrm>
+            <a:off x="457325" y="987039"/>
+            <a:ext cx="8238600" cy="3749686"/>
+          </a:xfrm>
+        </p:spPr>
+        <p:txBody>
+          <a:bodyPr/>
+          <a:lstStyle/>
+          <a:p>
+            <a:pPr marL="165100" indent="0">
+              <a:buNone/>
+            </a:pPr>
+            <a:r>
+              <a:rPr lang="en-US" sz="1600" dirty="0">
+                <a:latin typeface="+mj-lt"/>
+              </a:rPr>
+              <a:t>Implemented Algorithms:</a:t>
+            </a:r>
+          </a:p>
+          <a:p>
+            <a:pPr>
+              <a:buFont typeface="Arial" panose="020B0604020202020204" pitchFamily="34" charset="0"/>
+              <a:buChar char="•"/>
+            </a:pPr>
+            <a:r>
+              <a:rPr lang="en-US" sz="1600" dirty="0">
+                <a:latin typeface="+mj-lt"/>
+              </a:rPr>
+              <a:t>Logistic Regression</a:t>
+            </a:r>
+          </a:p>
+          <a:p>
+            <a:pPr>
+              <a:buFont typeface="Arial" panose="020B0604020202020204" pitchFamily="34" charset="0"/>
+              <a:buChar char="•"/>
+            </a:pPr>
+            <a:r>
+              <a:rPr lang="en-US" sz="1600" dirty="0">
+                <a:latin typeface="+mj-lt"/>
+              </a:rPr>
+              <a:t>Decision Tree</a:t>
+            </a:r>
+          </a:p>
+          <a:p>
+            <a:pPr>
+              <a:buFont typeface="Arial" panose="020B0604020202020204" pitchFamily="34" charset="0"/>
+              <a:buChar char="•"/>
+            </a:pPr>
+            <a:r>
+              <a:rPr lang="en-US" sz="1600" dirty="0">
+                <a:latin typeface="+mj-lt"/>
+              </a:rPr>
+              <a:t>Support Vector Machine</a:t>
+            </a:r>
+          </a:p>
+          <a:p>
+            <a:pPr>
+              <a:buFont typeface="Arial" panose="020B0604020202020204" pitchFamily="34" charset="0"/>
+              <a:buChar char="•"/>
+            </a:pPr>
+            <a:r>
+              <a:rPr lang="en-US" sz="1600" dirty="0">
+                <a:latin typeface="+mj-lt"/>
+              </a:rPr>
+              <a:t>Random Forest</a:t>
+            </a:r>
+          </a:p>
+          <a:p>
+            <a:pPr>
+              <a:buFont typeface="Arial" panose="020B0604020202020204" pitchFamily="34" charset="0"/>
+              <a:buChar char="•"/>
+            </a:pPr>
+            <a:r>
+              <a:rPr lang="en-US" sz="1600" dirty="0">
+                <a:latin typeface="+mj-lt"/>
+              </a:rPr>
+              <a:t>Xgboost</a:t>
+            </a:r>
+          </a:p>
+          <a:p>
+            <a:pPr>
+              <a:buFont typeface="Arial" panose="020B0604020202020204" pitchFamily="34" charset="0"/>
+              <a:buChar char="•"/>
+            </a:pPr>
+            <a:r>
+              <a:rPr lang="en-US" sz="1600" dirty="0">
+                <a:latin typeface="+mj-lt"/>
+              </a:rPr>
+              <a:t>LGBM </a:t>
+            </a:r>
+          </a:p>
+          <a:p>
+            <a:pPr marL="165100" indent="0">
+              <a:buNone/>
+            </a:pPr>
+            <a:r>
+              <a:rPr lang="en-US" sz="1600" dirty="0">
+                <a:latin typeface="+mj-lt"/>
+              </a:rPr>
+              <a:t>on the Sign Language datasets to check the accuracy of each algorithm and provide an analysis of the performance metrics</a:t>
+            </a:r>
+          </a:p>
+          <a:p>
+            <a:pPr>
+              <a:buFont typeface="Arial" panose="020B0604020202020204" pitchFamily="34" charset="0"/>
+              <a:buChar char="•"/>
+            </a:pPr>
+            <a:endParaRPr lang="en-US" sz="1600" dirty="0">
+              <a:latin typeface="+mn-lt"/>
+            </a:endParaRPr>
+          </a:p>
+        </p:txBody>
+      </p:sp>
+      <p:sp>
+        <p:nvSpPr>
+          <p:cNvPr id="3" name="Title 2"/>
+          <p:cNvSpPr>
+            <a:spLocks noGrp="1"/>
+          </p:cNvSpPr>
+          <p:nvPr>
+            <p:ph type="title"/>
+          </p:nvPr>
+        </p:nvSpPr>
+        <p:spPr/>
+        <p:txBody>
+          <a:bodyPr/>
+          <a:lstStyle/>
+          <a:p>
+            <a:r>
+              <a:rPr lang="en-IN" dirty="0">
+                <a:solidFill>
+                  <a:srgbClr val="0070C0"/>
+                </a:solidFill>
+              </a:rPr>
+              <a:t>Proposed Solution</a:t>
+            </a:r>
+            <a:endParaRPr lang="en-US" dirty="0"/>
+          </a:p>
+        </p:txBody>
+      </p:sp>
+      <p:sp>
+        <p:nvSpPr>
+          <p:cNvPr id="4" name="Slide Number Placeholder 3"/>
+          <p:cNvSpPr>
+            <a:spLocks noGrp="1"/>
+          </p:cNvSpPr>
+          <p:nvPr>
+            <p:ph type="sldNum" idx="12"/>
+          </p:nvPr>
+        </p:nvSpPr>
+        <p:spPr/>
+        <p:txBody>
+          <a:bodyPr/>
+          <a:lstStyle/>
+          <a:p>
+            <a:pPr marL="0" lvl="0" indent="0" algn="r" rtl="0">
+              <a:spcBef>
+                <a:spcPts val="0"/>
+              </a:spcBef>
+              <a:spcAft>
+                <a:spcPts val="0"/>
+              </a:spcAft>
+              <a:buNone/>
+            </a:pPr>
+            <a:fld id="{00000000-1234-1234-1234-123412341234}" type="slidenum">
+              <a:rPr lang="en" smtClean="0"/>
+              <a:pPr marL="0" lvl="0" indent="0" algn="r" rtl="0">
+                <a:spcBef>
+                  <a:spcPts val="0"/>
+                </a:spcBef>
+                <a:spcAft>
+                  <a:spcPts val="0"/>
+                </a:spcAft>
+                <a:buNone/>
+              </a:pPr>
+              <a:t>14</a:t>
+            </a:fld>
+            <a:endParaRPr lang="en"/>
+          </a:p>
+        </p:txBody>
+      </p:sp>
+    </p:spTree>
+  </p:cSld>
+  <p:clrMapOvr>
+    <a:masterClrMapping/>
+  </p:clrMapOvr>
+</p:sld>
+</file>
+
+<file path=ppt/slides/slide15.xml><?xml version="1.0" encoding="utf-8"?>
+<p:sld xmlns:a="http://schemas.openxmlformats.org/drawingml/2006/main" xmlns:r="http://schemas.openxmlformats.org/officeDocument/2006/relationships" xmlns:p="http://schemas.openxmlformats.org/presentationml/2006/main">
+  <p:cSld>
+    <p:spTree>
+      <p:nvGrpSpPr>
+        <p:cNvPr id="1" name=""/>
+        <p:cNvGrpSpPr/>
+        <p:nvPr/>
+      </p:nvGrpSpPr>
+      <p:grpSpPr>
+        <a:xfrm>
+          <a:off x="0" y="0"/>
+          <a:ext cx="0" cy="0"/>
+          <a:chOff x="0" y="0"/>
+          <a:chExt cx="0" cy="0"/>
+        </a:xfrm>
+      </p:grpSpPr>
+      <p:sp>
+        <p:nvSpPr>
+          <p:cNvPr id="4" name="Google Shape;64;p14">
+            <a:extLst>
+              <a:ext uri="{FF2B5EF4-FFF2-40B4-BE49-F238E27FC236}">
+                <a16:creationId xmlns:a16="http://schemas.microsoft.com/office/drawing/2014/main" id="{93AE3678-8EAA-4F47-328C-D6AD6C6359DB}"/>
+              </a:ext>
+            </a:extLst>
+          </p:cNvPr>
+          <p:cNvSpPr txBox="1"/>
+          <p:nvPr/>
+        </p:nvSpPr>
+        <p:spPr>
+          <a:xfrm>
+            <a:off x="564831" y="432547"/>
+            <a:ext cx="8267100" cy="1800463"/>
+          </a:xfrm>
+          <a:prstGeom prst="rect">
+            <a:avLst/>
+          </a:prstGeom>
+          <a:noFill/>
+          <a:ln>
+            <a:noFill/>
+          </a:ln>
+        </p:spPr>
+        <p:txBody>
+          <a:bodyPr spcFirstLastPara="1" wrap="square" lIns="91425" tIns="91425" rIns="91425" bIns="91425" anchor="t" anchorCtr="0">
+            <a:spAutoFit/>
+          </a:bodyPr>
+          <a:lstStyle/>
+          <a:p>
+            <a:pPr marL="0" lvl="0" indent="0" algn="l" rtl="0">
+              <a:spcBef>
+                <a:spcPts val="0"/>
+              </a:spcBef>
+              <a:spcAft>
+                <a:spcPts val="0"/>
+              </a:spcAft>
+              <a:buNone/>
+            </a:pPr>
+            <a:r>
+              <a:rPr lang="en-US" sz="3000" b="1" dirty="0">
+                <a:solidFill>
+                  <a:srgbClr val="002060"/>
+                </a:solidFill>
+                <a:latin typeface="+mj-lt"/>
+                <a:ea typeface="Fira Sans Extra Condensed"/>
+                <a:cs typeface="Fira Sans Extra Condensed"/>
+                <a:sym typeface="Fira Sans Extra Condensed"/>
+              </a:rPr>
               <a:t>Results</a:t>
             </a:r>
-            <a:endParaRPr sz="3000" b="1" dirty="0">
+          </a:p>
+          <a:p>
+            <a:pPr marL="0" lvl="0" indent="0" algn="l" rtl="0">
+              <a:spcBef>
+                <a:spcPts val="0"/>
+              </a:spcBef>
+              <a:spcAft>
+                <a:spcPts val="0"/>
+              </a:spcAft>
+              <a:buNone/>
+            </a:pPr>
+            <a:endParaRPr lang="en-US" sz="1500" b="1" dirty="0">
               <a:solidFill>
                 <a:srgbClr val="002060"/>
               </a:solidFill>
@@ -10391,38 +11422,48 @@
             </a:endParaRPr>
           </a:p>
           <a:p>
-            <a:pPr marL="82550" lvl="0" algn="l" rtl="0">
-              <a:lnSpc>
-                <a:spcPct val="150000"/>
-              </a:lnSpc>
-              <a:spcBef>
-                <a:spcPts val="0"/>
-              </a:spcBef>
-              <a:spcAft>
-                <a:spcPts val="0"/>
-              </a:spcAft>
-              <a:buSzPts val="2300"/>
-            </a:pPr>
-            <a:endParaRPr lang="en-US" sz="1500" b="1" dirty="0">
-              <a:latin typeface="+mj-lt"/>
-              <a:ea typeface="Fira Sans Extra Condensed"/>
-              <a:cs typeface="Fira Sans Extra Condensed"/>
-              <a:sym typeface="Fira Sans Extra Condensed"/>
-            </a:endParaRPr>
-          </a:p>
-          <a:p>
-            <a:pPr marL="82550" lvl="0" algn="l" rtl="0">
-              <a:lnSpc>
-                <a:spcPct val="150000"/>
-              </a:lnSpc>
-              <a:spcBef>
-                <a:spcPts val="0"/>
-              </a:spcBef>
-              <a:spcAft>
-                <a:spcPts val="0"/>
-              </a:spcAft>
-              <a:buSzPts val="2300"/>
-            </a:pPr>
+            <a:r>
+              <a:rPr lang="en-US" sz="1500" dirty="0">
+                <a:latin typeface="+mj-lt"/>
+              </a:rPr>
+              <a:t>After we train the machine learning algorithms, we got the classification report and confusion matrix for each algorithm, of which only </a:t>
+            </a:r>
+            <a:r>
+              <a:rPr lang="en-US" sz="1500" dirty="0" err="1">
+                <a:latin typeface="+mj-lt"/>
+              </a:rPr>
+              <a:t>LightGBM</a:t>
+            </a:r>
+            <a:r>
+              <a:rPr lang="en-US" sz="1500" dirty="0">
+                <a:latin typeface="+mj-lt"/>
+              </a:rPr>
+              <a:t> and </a:t>
+            </a:r>
+            <a:r>
+              <a:rPr lang="en-US" sz="1500" dirty="0" err="1">
+                <a:latin typeface="+mj-lt"/>
+              </a:rPr>
+              <a:t>XGBoost</a:t>
+            </a:r>
+            <a:r>
+              <a:rPr lang="en-US" sz="1500" dirty="0">
+                <a:latin typeface="+mj-lt"/>
+              </a:rPr>
+              <a:t> machine learning algorithms gave more accuracy compared to other machine learning algorithms </a:t>
+            </a:r>
+            <a:r>
+              <a:rPr lang="en-US" sz="1500" dirty="0" err="1">
+                <a:latin typeface="+mj-lt"/>
+              </a:rPr>
+              <a:t>i.e</a:t>
+            </a:r>
+            <a:r>
+              <a:rPr lang="en-US" sz="1500" dirty="0">
+                <a:latin typeface="+mj-lt"/>
+              </a:rPr>
+              <a:t> SVM, Decision Tree, Logistic Regression and Random Forest as shown in the above table.</a:t>
+            </a:r>
             <a:endParaRPr lang="en-US" sz="1500" b="1" dirty="0">
               <a:latin typeface="+mj-lt"/>
               <a:ea typeface="Fira Sans Extra Condensed"/>
@@ -10454,7 +11495,7 @@
         </p:blipFill>
         <p:spPr>
           <a:xfrm>
-            <a:off x="1739590" y="1419922"/>
+            <a:off x="1727215" y="2233010"/>
             <a:ext cx="5511150" cy="2572215"/>
           </a:xfrm>
           <a:prstGeom prst="rect">
@@ -10475,7 +11516,131 @@
 </p:sld>
 </file>
 
-<file path=ppt/slides/slide12.xml><?xml version="1.0" encoding="utf-8"?>
+<file path=ppt/slides/slide16.xml><?xml version="1.0" encoding="utf-8"?>
+<p:sld xmlns:a="http://schemas.openxmlformats.org/drawingml/2006/main" xmlns:r="http://schemas.openxmlformats.org/officeDocument/2006/relationships" xmlns:p="http://schemas.openxmlformats.org/presentationml/2006/main">
+  <p:cSld>
+    <p:spTree>
+      <p:nvGrpSpPr>
+        <p:cNvPr id="1" name=""/>
+        <p:cNvGrpSpPr/>
+        <p:nvPr/>
+      </p:nvGrpSpPr>
+      <p:grpSpPr>
+        <a:xfrm>
+          <a:off x="0" y="0"/>
+          <a:ext cx="0" cy="0"/>
+          <a:chOff x="0" y="0"/>
+          <a:chExt cx="0" cy="0"/>
+        </a:xfrm>
+      </p:grpSpPr>
+      <p:sp>
+        <p:nvSpPr>
+          <p:cNvPr id="4" name="Title 3"/>
+          <p:cNvSpPr>
+            <a:spLocks noGrp="1"/>
+          </p:cNvSpPr>
+          <p:nvPr>
+            <p:ph type="title"/>
+          </p:nvPr>
+        </p:nvSpPr>
+        <p:spPr/>
+        <p:txBody>
+          <a:bodyPr/>
+          <a:lstStyle/>
+          <a:p>
+            <a:pPr algn="just"/>
+            <a:r>
+              <a:rPr lang="en-US" sz="1600" dirty="0"/>
+              <a:t>After we train the machine learning algorithms, we got the classification report and confusion matrix for each </a:t>
+            </a:r>
+            <a:r>
+              <a:rPr lang="en-US" sz="1600" dirty="0" err="1"/>
+              <a:t>algorithm</a:t>
+            </a:r>
+            <a:r>
+              <a:rPr lang="en-US" sz="1600" dirty="0"/>
+              <a:t>, of which only </a:t>
+            </a:r>
+            <a:r>
+              <a:rPr lang="en-US" sz="1600" dirty="0" err="1"/>
+              <a:t>LightGBM</a:t>
+            </a:r>
+            <a:r>
+              <a:rPr lang="en-US" sz="1600" dirty="0"/>
+              <a:t> and </a:t>
+            </a:r>
+            <a:r>
+              <a:rPr lang="en-US" sz="1600" dirty="0" err="1"/>
+              <a:t>XGBoost</a:t>
+            </a:r>
+            <a:r>
+              <a:rPr lang="en-US" sz="1600" dirty="0"/>
+              <a:t> machine learning algorithms gave more accuracy compared to other machine learning algorithms </a:t>
+            </a:r>
+            <a:r>
+              <a:rPr lang="en-US" sz="1600" dirty="0" err="1"/>
+              <a:t>i.e</a:t>
+            </a:r>
+            <a:r>
+              <a:rPr lang="en-US" sz="1600" dirty="0"/>
+              <a:t> SVM, Decision Tree, Logistic Regression and Random Forest as shown in the above table.</a:t>
+            </a:r>
+            <a:endParaRPr lang="en-US" sz="1600" dirty="0">
+              <a:latin typeface="+mj-lt"/>
+            </a:endParaRPr>
+          </a:p>
+        </p:txBody>
+      </p:sp>
+      <p:sp>
+        <p:nvSpPr>
+          <p:cNvPr id="3" name="Slide Number Placeholder 2"/>
+          <p:cNvSpPr>
+            <a:spLocks noGrp="1"/>
+          </p:cNvSpPr>
+          <p:nvPr>
+            <p:ph type="sldNum" idx="12"/>
+          </p:nvPr>
+        </p:nvSpPr>
+        <p:spPr/>
+        <p:txBody>
+          <a:bodyPr/>
+          <a:lstStyle/>
+          <a:p>
+            <a:pPr marL="0" lvl="0" indent="0" algn="r" rtl="0">
+              <a:spcBef>
+                <a:spcPts val="0"/>
+              </a:spcBef>
+              <a:spcAft>
+                <a:spcPts val="0"/>
+              </a:spcAft>
+              <a:buNone/>
+            </a:pPr>
+            <a:fld id="{00000000-1234-1234-1234-123412341234}" type="slidenum">
+              <a:rPr lang="en" smtClean="0"/>
+              <a:pPr marL="0" lvl="0" indent="0" algn="r" rtl="0">
+                <a:spcBef>
+                  <a:spcPts val="0"/>
+                </a:spcBef>
+                <a:spcAft>
+                  <a:spcPts val="0"/>
+                </a:spcAft>
+                <a:buNone/>
+              </a:pPr>
+              <a:t>16</a:t>
+            </a:fld>
+            <a:endParaRPr lang="en"/>
+          </a:p>
+        </p:txBody>
+      </p:sp>
+    </p:spTree>
+  </p:cSld>
+  <p:clrMapOvr>
+    <a:masterClrMapping/>
+  </p:clrMapOvr>
+</p:sld>
+</file>
+
+<file path=ppt/slides/slide17.xml><?xml version="1.0" encoding="utf-8"?>
 <p:sld xmlns:a="http://schemas.openxmlformats.org/drawingml/2006/main" xmlns:r="http://schemas.openxmlformats.org/officeDocument/2006/relationships" xmlns:p="http://schemas.openxmlformats.org/presentationml/2006/main">
   <p:cSld>
     <p:spTree>
@@ -10507,7 +11672,7 @@
         <p:spPr>
           <a:xfrm>
             <a:off x="564831" y="432547"/>
-            <a:ext cx="8267100" cy="4339619"/>
+            <a:ext cx="8267100" cy="5032117"/>
           </a:xfrm>
           <a:prstGeom prst="rect">
             <a:avLst/>
@@ -10761,8 +11926,61 @@
                 <a:cs typeface="Fira Sans Extra Condensed"/>
                 <a:sym typeface="Fira Sans Extra Condensed"/>
               </a:rPr>
-              <a:t>, Varsha Singh, Uma Shanker Tiwary, ”Indian Sign Language recognition system using SURF with SVM and CNN,” Array, Volume 14,2022,100141,SSN 2590-0056, https://doi.org/10.1016/j.array.2022.100141 (https://www.sciencedirect.com/science/article/pii/S2590005622000121)</a:t>
+              <a:t>, Varsha Singh, Uma Shanker Tiwary, ”Indian Sign Language recognition system using SURF with SVM and CNN,” Array, Volume 14,2022,100141,SSN 2590-0056, https://doi.org/10.1016/j.array.2022.100141 (</a:t>
             </a:r>
+            <a:r>
+              <a:rPr lang="en-US" sz="1500" dirty="0">
+                <a:latin typeface="+mj-lt"/>
+                <a:ea typeface="Fira Sans Extra Condensed"/>
+                <a:cs typeface="Fira Sans Extra Condensed"/>
+                <a:sym typeface="Fira Sans Extra Condensed"/>
+                <a:hlinkClick r:id="rId3"/>
+              </a:rPr>
+              <a:t>https://www.sciencedirect.com/science/article/pii/S2590005622000121</a:t>
+            </a:r>
+            <a:r>
+              <a:rPr lang="en-US" sz="1500" dirty="0">
+                <a:latin typeface="+mj-lt"/>
+                <a:ea typeface="Fira Sans Extra Condensed"/>
+                <a:cs typeface="Fira Sans Extra Condensed"/>
+                <a:sym typeface="Fira Sans Extra Condensed"/>
+              </a:rPr>
+              <a:t>)</a:t>
+            </a:r>
+          </a:p>
+          <a:p>
+            <a:pPr marL="342900" lvl="0" indent="-342900">
+              <a:buFont typeface="+mj-lt"/>
+              <a:buAutoNum type="arabicPeriod"/>
+            </a:pPr>
+            <a:r>
+              <a:rPr lang="en-US" sz="1500" dirty="0">
+                <a:latin typeface="+mj-lt"/>
+                <a:ea typeface="Fira Sans Extra Condensed"/>
+                <a:cs typeface="Fira Sans Extra Condensed"/>
+                <a:sym typeface="Fira Sans Extra Condensed"/>
+                <a:hlinkClick r:id="rId4"/>
+              </a:rPr>
+              <a:t>https://towardsdatascience.com/support-vector-machine-introduction-to-machine-learning-algorithms</a:t>
+            </a:r>
+            <a:endParaRPr lang="en-US" sz="1500" dirty="0">
+              <a:latin typeface="+mj-lt"/>
+              <a:ea typeface="Fira Sans Extra Condensed"/>
+              <a:cs typeface="Fira Sans Extra Condensed"/>
+              <a:sym typeface="Fira Sans Extra Condensed"/>
+            </a:endParaRPr>
+          </a:p>
+          <a:p>
+            <a:pPr marL="342900" lvl="0" indent="-342900">
+              <a:buFont typeface="+mj-lt"/>
+              <a:buAutoNum type="arabicPeriod"/>
+            </a:pPr>
+            <a:endParaRPr lang="en-US" sz="1500" dirty="0">
+              <a:latin typeface="+mj-lt"/>
+              <a:ea typeface="Fira Sans Extra Condensed"/>
+              <a:cs typeface="Fira Sans Extra Condensed"/>
+              <a:sym typeface="Fira Sans Extra Condensed"/>
+            </a:endParaRPr>
           </a:p>
         </p:txBody>
       </p:sp>
@@ -10779,7 +11997,7 @@
 </p:sld>
 </file>
 
-<file path=ppt/slides/slide13.xml><?xml version="1.0" encoding="utf-8"?>
+<file path=ppt/slides/slide18.xml><?xml version="1.0" encoding="utf-8"?>
 <p:sld xmlns:a="http://schemas.openxmlformats.org/drawingml/2006/main" xmlns:r="http://schemas.openxmlformats.org/officeDocument/2006/relationships" xmlns:p="http://schemas.openxmlformats.org/presentationml/2006/main">
   <p:cSld>
     <p:spTree>
@@ -10840,7 +12058,20 @@
             </a:pPr>
             <a:fld id="{00000000-1234-1234-1234-123412341234}" type="slidenum">
               <a:rPr lang="en"/>
-              <a:t>13</a:t>
+              <a:pPr marL="0" lvl="0" indent="0" algn="r" rtl="0">
+                <a:lnSpc>
+                  <a:spcPct val="100000"/>
+                </a:lnSpc>
+                <a:spcBef>
+                  <a:spcPts val="0"/>
+                </a:spcBef>
+                <a:spcAft>
+                  <a:spcPts val="0"/>
+                </a:spcAft>
+                <a:buSzPts val="1300"/>
+                <a:buNone/>
+              </a:pPr>
+              <a:t>18</a:t>
             </a:fld>
             <a:endParaRPr/>
           </a:p>
@@ -10967,6 +12198,19 @@
             </a:pPr>
             <a:fld id="{00000000-1234-1234-1234-123412341234}" type="slidenum">
               <a:rPr lang="en"/>
+              <a:pPr marL="0" lvl="0" indent="0" algn="r" rtl="0">
+                <a:lnSpc>
+                  <a:spcPct val="100000"/>
+                </a:lnSpc>
+                <a:spcBef>
+                  <a:spcPts val="0"/>
+                </a:spcBef>
+                <a:spcAft>
+                  <a:spcPts val="0"/>
+                </a:spcAft>
+                <a:buSzPts val="1300"/>
+                <a:buNone/>
+              </a:pPr>
               <a:t>2</a:t>
             </a:fld>
             <a:endParaRPr/>
@@ -11376,6 +12620,19 @@
             </a:pPr>
             <a:fld id="{00000000-1234-1234-1234-123412341234}" type="slidenum">
               <a:rPr lang="en"/>
+              <a:pPr marL="0" lvl="0" indent="0" algn="r" rtl="0">
+                <a:lnSpc>
+                  <a:spcPct val="100000"/>
+                </a:lnSpc>
+                <a:spcBef>
+                  <a:spcPts val="0"/>
+                </a:spcBef>
+                <a:spcAft>
+                  <a:spcPts val="0"/>
+                </a:spcAft>
+                <a:buSzPts val="1300"/>
+                <a:buNone/>
+              </a:pPr>
               <a:t>3</a:t>
             </a:fld>
             <a:endParaRPr/>
@@ -11873,6 +13130,19 @@
             </a:pPr>
             <a:fld id="{00000000-1234-1234-1234-123412341234}" type="slidenum">
               <a:rPr lang="en"/>
+              <a:pPr marL="0" lvl="0" indent="0" algn="r" rtl="0">
+                <a:lnSpc>
+                  <a:spcPct val="100000"/>
+                </a:lnSpc>
+                <a:spcBef>
+                  <a:spcPts val="0"/>
+                </a:spcBef>
+                <a:spcAft>
+                  <a:spcPts val="0"/>
+                </a:spcAft>
+                <a:buSzPts val="1300"/>
+                <a:buNone/>
+              </a:pPr>
               <a:t>4</a:t>
             </a:fld>
             <a:endParaRPr/>
@@ -11952,7 +13222,7 @@
           <p:nvPr>
             <p:extLst>
               <p:ext uri="{D42A27DB-BD31-4B8C-83A1-F6EECF244321}">
-                <p14:modId xmlns:p14="http://schemas.microsoft.com/office/powerpoint/2010/main" val="2436970754"/>
+                <p14:modId xmlns:p14="http://schemas.microsoft.com/office/powerpoint/2010/main" val="1106300343"/>
               </p:ext>
             </p:extLst>
           </p:nvPr>
@@ -12060,25 +13330,8 @@
                           <a:effectLst/>
                           <a:latin typeface="+mj-lt"/>
                         </a:rPr>
-                        <a:t>---- </a:t>
+                        <a:t>--algo</a:t>
                       </a:r>
-                      <a:r>
-                        <a:rPr lang="en-US" sz="1400" b="0" i="0" u="none" strike="noStrike" dirty="0" err="1">
-                          <a:solidFill>
-                            <a:srgbClr val="000000"/>
-                          </a:solidFill>
-                          <a:effectLst/>
-                          <a:latin typeface="+mj-lt"/>
-                        </a:rPr>
-                        <a:t>alog</a:t>
-                      </a:r>
-                      <a:endParaRPr lang="en-US" sz="1400" b="0" i="0" u="none" strike="noStrike" dirty="0">
-                        <a:solidFill>
-                          <a:srgbClr val="000000"/>
-                        </a:solidFill>
-                        <a:effectLst/>
-                        <a:latin typeface="+mj-lt"/>
-                      </a:endParaRPr>
                     </a:p>
                   </a:txBody>
                   <a:tcPr/>
@@ -12156,7 +13409,7 @@
                           <a:effectLst/>
                           <a:latin typeface="+mj-lt"/>
                         </a:rPr>
-                        <a:t>---algo</a:t>
+                        <a:t>--algo</a:t>
                       </a:r>
                     </a:p>
                   </a:txBody>
@@ -12225,25 +13478,8 @@
                           <a:effectLst/>
                           <a:latin typeface="+mj-lt"/>
                         </a:rPr>
-                        <a:t>--</a:t>
+                        <a:t>--algo</a:t>
                       </a:r>
-                      <a:r>
-                        <a:rPr lang="en-US" sz="1400" b="0" i="0" u="none" strike="noStrike" dirty="0" err="1">
-                          <a:solidFill>
-                            <a:srgbClr val="000000"/>
-                          </a:solidFill>
-                          <a:effectLst/>
-                          <a:latin typeface="+mj-lt"/>
-                        </a:rPr>
-                        <a:t>alog</a:t>
-                      </a:r>
-                      <a:endParaRPr lang="en-US" sz="1400" b="0" i="0" u="none" strike="noStrike" dirty="0">
-                        <a:solidFill>
-                          <a:srgbClr val="000000"/>
-                        </a:solidFill>
-                        <a:effectLst/>
-                        <a:latin typeface="+mj-lt"/>
-                      </a:endParaRPr>
                     </a:p>
                   </a:txBody>
                   <a:tcPr/>
@@ -12344,7 +13580,7 @@
         <p:spPr>
           <a:xfrm>
             <a:off x="564831" y="432547"/>
-            <a:ext cx="8267100" cy="2377544"/>
+            <a:ext cx="8267100" cy="2400627"/>
           </a:xfrm>
           <a:prstGeom prst="rect">
             <a:avLst/>
@@ -12412,16 +13648,10 @@
             </a:endParaRPr>
           </a:p>
           <a:p>
-            <a:pPr marL="368300" lvl="0" indent="-285750" algn="l" rtl="0">
+            <a:pPr marL="368300" lvl="0" indent="-285750">
               <a:lnSpc>
                 <a:spcPct val="150000"/>
               </a:lnSpc>
-              <a:spcBef>
-                <a:spcPts val="0"/>
-              </a:spcBef>
-              <a:spcAft>
-                <a:spcPts val="0"/>
-              </a:spcAft>
               <a:buSzPts val="2300"/>
               <a:buFont typeface="Arial" panose="020B0604020202020204" pitchFamily="34" charset="0"/>
               <a:buChar char="•"/>
@@ -12433,7 +13663,11 @@
                 <a:cs typeface="Fira Sans Extra Condensed"/>
                 <a:sym typeface="Fira Sans Extra Condensed"/>
               </a:rPr>
-              <a:t>Necessity to Socialize with all kinds of people</a:t>
+              <a:t>Necessity to socialize with people as communication is important.</a:t>
+            </a:r>
+            <a:r>
+              <a:rPr lang="en-US" sz="1600" dirty="0"/>
+              <a:t> </a:t>
             </a:r>
           </a:p>
           <a:p>
@@ -12508,7 +13742,7 @@
                 <a:cs typeface="Fira Sans Extra Condensed"/>
                 <a:sym typeface="Fira Sans Extra Condensed"/>
               </a:rPr>
-              <a:t>Utilization of Machine Learning techniques in Sign Language Recognition Systems</a:t>
+              <a:t>Utilization of Machine Learning techniques in Sign Language Recognition Systems </a:t>
             </a:r>
           </a:p>
         </p:txBody>
@@ -12558,7 +13792,7 @@
         <p:spPr>
           <a:xfrm>
             <a:off x="557396" y="432547"/>
-            <a:ext cx="8267100" cy="2031295"/>
+            <a:ext cx="8267100" cy="4108787"/>
           </a:xfrm>
           <a:prstGeom prst="rect">
             <a:avLst/>
@@ -12641,14 +13875,34 @@
               <a:buChar char="•"/>
             </a:pPr>
             <a:r>
-              <a:rPr lang="en-US" sz="1500" dirty="0">
+              <a:rPr lang="en-IN" sz="1500" dirty="0">
                 <a:latin typeface="+mj-lt"/>
                 <a:ea typeface="Fira Sans Extra Condensed"/>
                 <a:cs typeface="Fira Sans Extra Condensed"/>
                 <a:sym typeface="Fira Sans Extra Condensed"/>
               </a:rPr>
-              <a:t>Applying Course Knowledge &amp; Experimenting with various machine learning algorithms</a:t>
+              <a:t>The main objective for the sign language recognition system is to recognize the images by using various machine learning techniques for extracting the relevant features and subsequent classification.</a:t>
             </a:r>
+          </a:p>
+          <a:p>
+            <a:pPr marL="368300" lvl="0" indent="-285750" algn="l" rtl="0">
+              <a:lnSpc>
+                <a:spcPct val="150000"/>
+              </a:lnSpc>
+              <a:spcBef>
+                <a:spcPts val="0"/>
+              </a:spcBef>
+              <a:spcAft>
+                <a:spcPts val="0"/>
+              </a:spcAft>
+              <a:buSzPts val="2300"/>
+            </a:pPr>
+            <a:endParaRPr lang="en-IN" sz="1500" dirty="0">
+              <a:latin typeface="+mj-lt"/>
+              <a:ea typeface="Fira Sans Extra Condensed"/>
+              <a:cs typeface="Fira Sans Extra Condensed"/>
+              <a:sym typeface="Fira Sans Extra Condensed"/>
+            </a:endParaRPr>
           </a:p>
           <a:p>
             <a:pPr marL="368300" lvl="0" indent="-285750" algn="l" rtl="0">
@@ -12666,14 +13920,36 @@
               <a:buChar char="•"/>
             </a:pPr>
             <a:r>
-              <a:rPr lang="en-US" sz="1500" dirty="0">
+              <a:rPr lang="en-IN" sz="1500" dirty="0">
                 <a:latin typeface="+mj-lt"/>
                 <a:ea typeface="Fira Sans Extra Condensed"/>
                 <a:cs typeface="Fira Sans Extra Condensed"/>
                 <a:sym typeface="Fira Sans Extra Condensed"/>
               </a:rPr>
-              <a:t>Get Classification report of each algorithm</a:t>
+              <a:t> The sign language recognition system  checks so see if all the algorithms are able to classify the given sign language letters using the interpretation of the hand symbols .</a:t>
             </a:r>
+          </a:p>
+          <a:p>
+            <a:pPr marL="368300" lvl="0" indent="-285750" algn="l" rtl="0">
+              <a:lnSpc>
+                <a:spcPct val="150000"/>
+              </a:lnSpc>
+              <a:spcBef>
+                <a:spcPts val="0"/>
+              </a:spcBef>
+              <a:spcAft>
+                <a:spcPts val="0"/>
+              </a:spcAft>
+              <a:buSzPts val="2300"/>
+              <a:buFont typeface="Arial" panose="020B0604020202020204" pitchFamily="34" charset="0"/>
+              <a:buChar char="•"/>
+            </a:pPr>
+            <a:endParaRPr lang="en-IN" sz="1500" dirty="0">
+              <a:latin typeface="+mj-lt"/>
+              <a:ea typeface="Fira Sans Extra Condensed"/>
+              <a:cs typeface="Fira Sans Extra Condensed"/>
+              <a:sym typeface="Fira Sans Extra Condensed"/>
+            </a:endParaRPr>
           </a:p>
           <a:p>
             <a:pPr marL="368300" lvl="0" indent="-285750" algn="l" rtl="0">
@@ -12691,14 +13967,34 @@
               <a:buChar char="•"/>
             </a:pPr>
             <a:r>
-              <a:rPr lang="en-US" sz="1500" dirty="0">
+              <a:rPr lang="en-IN" sz="1500" dirty="0">
                 <a:latin typeface="+mj-lt"/>
                 <a:ea typeface="Fira Sans Extra Condensed"/>
                 <a:cs typeface="Fira Sans Extra Condensed"/>
                 <a:sym typeface="Fira Sans Extra Condensed"/>
               </a:rPr>
-              <a:t>Performance Metrics Comparison in terms of Accuracy</a:t>
+              <a:t>The above recognition can be performed by the 3 steps given in the next slide.</a:t>
             </a:r>
+          </a:p>
+          <a:p>
+            <a:pPr marL="368300" lvl="0" indent="-285750" algn="l" rtl="0">
+              <a:lnSpc>
+                <a:spcPct val="150000"/>
+              </a:lnSpc>
+              <a:spcBef>
+                <a:spcPts val="0"/>
+              </a:spcBef>
+              <a:spcAft>
+                <a:spcPts val="0"/>
+              </a:spcAft>
+              <a:buSzPts val="2300"/>
+            </a:pPr>
+            <a:endParaRPr lang="en-IN" sz="1500" dirty="0">
+              <a:latin typeface="+mj-lt"/>
+              <a:ea typeface="Fira Sans Extra Condensed"/>
+              <a:cs typeface="Fira Sans Extra Condensed"/>
+              <a:sym typeface="Fira Sans Extra Condensed"/>
+            </a:endParaRPr>
           </a:p>
         </p:txBody>
       </p:sp>
@@ -12716,6 +14012,209 @@
 </file>
 
 <file path=ppt/slides/slide7.xml><?xml version="1.0" encoding="utf-8"?>
+<p:sld xmlns:a="http://schemas.openxmlformats.org/drawingml/2006/main" xmlns:r="http://schemas.openxmlformats.org/officeDocument/2006/relationships" xmlns:p="http://schemas.openxmlformats.org/presentationml/2006/main">
+  <p:cSld>
+    <p:spTree>
+      <p:nvGrpSpPr>
+        <p:cNvPr id="1" name=""/>
+        <p:cNvGrpSpPr/>
+        <p:nvPr/>
+      </p:nvGrpSpPr>
+      <p:grpSpPr>
+        <a:xfrm>
+          <a:off x="0" y="0"/>
+          <a:ext cx="0" cy="0"/>
+          <a:chOff x="0" y="0"/>
+          <a:chExt cx="0" cy="0"/>
+        </a:xfrm>
+      </p:grpSpPr>
+      <p:sp>
+        <p:nvSpPr>
+          <p:cNvPr id="2" name="Title 1"/>
+          <p:cNvSpPr>
+            <a:spLocks noGrp="1"/>
+          </p:cNvSpPr>
+          <p:nvPr>
+            <p:ph type="title"/>
+          </p:nvPr>
+        </p:nvSpPr>
+        <p:spPr/>
+        <p:txBody>
+          <a:bodyPr/>
+          <a:lstStyle/>
+          <a:p>
+            <a:pPr marL="368300" indent="-285750" algn="l">
+              <a:lnSpc>
+                <a:spcPct val="150000"/>
+              </a:lnSpc>
+            </a:pPr>
+            <a:r>
+              <a:rPr lang="en-US" sz="2500" b="1" dirty="0">
+                <a:solidFill>
+                  <a:srgbClr val="002060"/>
+                </a:solidFill>
+                <a:latin typeface="+mj-lt"/>
+                <a:ea typeface="Fira Sans Extra Condensed"/>
+                <a:cs typeface="Fira Sans Extra Condensed"/>
+                <a:sym typeface="Fira Sans Extra Condensed"/>
+              </a:rPr>
+              <a:t>Objective</a:t>
+            </a:r>
+            <a:r>
+              <a:rPr lang="en-US" sz="1600" b="1" dirty="0">
+                <a:solidFill>
+                  <a:srgbClr val="002060"/>
+                </a:solidFill>
+                <a:ea typeface="Fira Sans Extra Condensed"/>
+                <a:cs typeface="Fira Sans Extra Condensed"/>
+                <a:sym typeface="Fira Sans Extra Condensed"/>
+              </a:rPr>
+              <a:t>  Cont..</a:t>
+            </a:r>
+            <a:endParaRPr lang="en-US" sz="1500" dirty="0">
+              <a:latin typeface="+mn-lt"/>
+            </a:endParaRPr>
+          </a:p>
+        </p:txBody>
+      </p:sp>
+      <p:sp>
+        <p:nvSpPr>
+          <p:cNvPr id="3" name="Slide Number Placeholder 2"/>
+          <p:cNvSpPr>
+            <a:spLocks noGrp="1"/>
+          </p:cNvSpPr>
+          <p:nvPr>
+            <p:ph type="sldNum" idx="12"/>
+          </p:nvPr>
+        </p:nvSpPr>
+        <p:spPr/>
+        <p:txBody>
+          <a:bodyPr/>
+          <a:lstStyle/>
+          <a:p>
+            <a:pPr marL="0" lvl="0" indent="0" algn="r" rtl="0">
+              <a:spcBef>
+                <a:spcPts val="0"/>
+              </a:spcBef>
+              <a:spcAft>
+                <a:spcPts val="0"/>
+              </a:spcAft>
+              <a:buNone/>
+            </a:pPr>
+            <a:fld id="{00000000-1234-1234-1234-123412341234}" type="slidenum">
+              <a:rPr lang="en" smtClean="0"/>
+              <a:pPr marL="0" lvl="0" indent="0" algn="r" rtl="0">
+                <a:spcBef>
+                  <a:spcPts val="0"/>
+                </a:spcBef>
+                <a:spcAft>
+                  <a:spcPts val="0"/>
+                </a:spcAft>
+                <a:buNone/>
+              </a:pPr>
+              <a:t>7</a:t>
+            </a:fld>
+            <a:endParaRPr lang="en"/>
+          </a:p>
+        </p:txBody>
+      </p:sp>
+      <p:sp>
+        <p:nvSpPr>
+          <p:cNvPr id="4" name="Rectangle 3"/>
+          <p:cNvSpPr/>
+          <p:nvPr/>
+        </p:nvSpPr>
+        <p:spPr>
+          <a:xfrm>
+            <a:off x="409575" y="1376918"/>
+            <a:ext cx="8147050" cy="1384995"/>
+          </a:xfrm>
+          <a:prstGeom prst="rect">
+            <a:avLst/>
+          </a:prstGeom>
+        </p:spPr>
+        <p:txBody>
+          <a:bodyPr wrap="square">
+            <a:spAutoFit/>
+          </a:bodyPr>
+          <a:lstStyle/>
+          <a:p>
+            <a:pPr marL="368300" lvl="0" indent="-285750">
+              <a:lnSpc>
+                <a:spcPct val="150000"/>
+              </a:lnSpc>
+              <a:buSzPts val="2300"/>
+              <a:buFont typeface="Arial" panose="020B0604020202020204" pitchFamily="34" charset="0"/>
+              <a:buChar char="•"/>
+            </a:pPr>
+            <a:r>
+              <a:rPr lang="en-US" dirty="0">
+                <a:ea typeface="Fira Sans Extra Condensed"/>
+                <a:cs typeface="Fira Sans Extra Condensed"/>
+                <a:sym typeface="Fira Sans Extra Condensed"/>
+              </a:rPr>
+              <a:t>Applying Course Knowledge &amp; Experimenting with various machine learning algorithms</a:t>
+            </a:r>
+          </a:p>
+          <a:p>
+            <a:pPr marL="368300" lvl="0" indent="-285750">
+              <a:lnSpc>
+                <a:spcPct val="150000"/>
+              </a:lnSpc>
+              <a:buSzPts val="2300"/>
+              <a:buFont typeface="Arial" panose="020B0604020202020204" pitchFamily="34" charset="0"/>
+              <a:buChar char="•"/>
+            </a:pPr>
+            <a:r>
+              <a:rPr lang="en-US" dirty="0">
+                <a:ea typeface="Fira Sans Extra Condensed"/>
+                <a:cs typeface="Fira Sans Extra Condensed"/>
+                <a:sym typeface="Fira Sans Extra Condensed"/>
+              </a:rPr>
+              <a:t>Get Classification report of each algorithm</a:t>
+            </a:r>
+          </a:p>
+          <a:p>
+            <a:pPr marL="368300" lvl="0" indent="-285750">
+              <a:lnSpc>
+                <a:spcPct val="150000"/>
+              </a:lnSpc>
+              <a:buSzPts val="2300"/>
+              <a:buFont typeface="Arial" panose="020B0604020202020204" pitchFamily="34" charset="0"/>
+              <a:buChar char="•"/>
+            </a:pPr>
+            <a:r>
+              <a:rPr lang="en-US" dirty="0">
+                <a:ea typeface="Fira Sans Extra Condensed"/>
+                <a:cs typeface="Fira Sans Extra Condensed"/>
+                <a:sym typeface="Fira Sans Extra Condensed"/>
+              </a:rPr>
+              <a:t>Performance Metrics Comparison in terms of Accuracy</a:t>
+            </a:r>
+            <a:br>
+              <a:rPr lang="en-US" dirty="0">
+                <a:ea typeface="Fira Sans Extra Condensed"/>
+                <a:cs typeface="Fira Sans Extra Condensed"/>
+                <a:sym typeface="Fira Sans Extra Condensed"/>
+              </a:rPr>
+            </a:br>
+            <a:endParaRPr lang="en-US" dirty="0">
+              <a:ea typeface="Fira Sans Extra Condensed"/>
+              <a:cs typeface="Fira Sans Extra Condensed"/>
+              <a:sym typeface="Fira Sans Extra Condensed"/>
+            </a:endParaRPr>
+          </a:p>
+        </p:txBody>
+      </p:sp>
+    </p:spTree>
+  </p:cSld>
+  <p:clrMapOvr>
+    <a:masterClrMapping/>
+  </p:clrMapOvr>
+</p:sld>
+</file>
+
+<file path=ppt/slides/slide8.xml><?xml version="1.0" encoding="utf-8"?>
 <p:sld xmlns:a="http://schemas.openxmlformats.org/drawingml/2006/main" xmlns:r="http://schemas.openxmlformats.org/officeDocument/2006/relationships" xmlns:p="http://schemas.openxmlformats.org/presentationml/2006/main">
   <p:cSld>
     <p:spTree>
@@ -12874,7 +14373,7 @@
 </p:sld>
 </file>
 
-<file path=ppt/slides/slide8.xml><?xml version="1.0" encoding="utf-8"?>
+<file path=ppt/slides/slide9.xml><?xml version="1.0" encoding="utf-8"?>
 <p:sld xmlns:a="http://schemas.openxmlformats.org/drawingml/2006/main" xmlns:r="http://schemas.openxmlformats.org/officeDocument/2006/relationships" xmlns:p="http://schemas.openxmlformats.org/presentationml/2006/main">
   <p:cSld>
     <p:spTree>
@@ -13012,7 +14511,16 @@
             </a:pPr>
             <a:fld id="{00000000-1234-1234-1234-123412341234}" type="slidenum">
               <a:rPr lang="en" smtClean="0"/>
-              <a:t>8</a:t>
+              <a:pPr marL="0" lvl="0" indent="0" algn="r" rtl="0">
+                <a:spcBef>
+                  <a:spcPts val="0"/>
+                </a:spcBef>
+                <a:spcAft>
+                  <a:spcPts val="0"/>
+                </a:spcAft>
+                <a:buNone/>
+              </a:pPr>
+              <a:t>9</a:t>
             </a:fld>
             <a:endParaRPr lang="en"/>
           </a:p>
@@ -13314,197 +14822,6 @@
     <p:extLst>
       <p:ext uri="{BB962C8B-B14F-4D97-AF65-F5344CB8AC3E}">
         <p14:creationId xmlns:p14="http://schemas.microsoft.com/office/powerpoint/2010/main" val="2994276348"/>
-      </p:ext>
-    </p:extLst>
-  </p:cSld>
-  <p:clrMapOvr>
-    <a:masterClrMapping/>
-  </p:clrMapOvr>
-</p:sld>
-</file>
-
-<file path=ppt/slides/slide9.xml><?xml version="1.0" encoding="utf-8"?>
-<p:sld xmlns:a="http://schemas.openxmlformats.org/drawingml/2006/main" xmlns:r="http://schemas.openxmlformats.org/officeDocument/2006/relationships" xmlns:p="http://schemas.openxmlformats.org/presentationml/2006/main">
-  <p:cSld>
-    <p:spTree>
-      <p:nvGrpSpPr>
-        <p:cNvPr id="1" name=""/>
-        <p:cNvGrpSpPr/>
-        <p:nvPr/>
-      </p:nvGrpSpPr>
-      <p:grpSpPr>
-        <a:xfrm>
-          <a:off x="0" y="0"/>
-          <a:ext cx="0" cy="0"/>
-          <a:chOff x="0" y="0"/>
-          <a:chExt cx="0" cy="0"/>
-        </a:xfrm>
-      </p:grpSpPr>
-      <p:sp>
-        <p:nvSpPr>
-          <p:cNvPr id="4" name="Google Shape;64;p14">
-            <a:extLst>
-              <a:ext uri="{FF2B5EF4-FFF2-40B4-BE49-F238E27FC236}">
-                <a16:creationId xmlns:a16="http://schemas.microsoft.com/office/drawing/2014/main" id="{93AE3678-8EAA-4F47-328C-D6AD6C6359DB}"/>
-              </a:ext>
-            </a:extLst>
-          </p:cNvPr>
-          <p:cNvSpPr txBox="1"/>
-          <p:nvPr/>
-        </p:nvSpPr>
-        <p:spPr>
-          <a:xfrm>
-            <a:off x="564831" y="432547"/>
-            <a:ext cx="8267100" cy="2377544"/>
-          </a:xfrm>
-          <a:prstGeom prst="rect">
-            <a:avLst/>
-          </a:prstGeom>
-          <a:noFill/>
-          <a:ln>
-            <a:noFill/>
-          </a:ln>
-        </p:spPr>
-        <p:txBody>
-          <a:bodyPr spcFirstLastPara="1" wrap="square" lIns="91425" tIns="91425" rIns="91425" bIns="91425" anchor="t" anchorCtr="0">
-            <a:spAutoFit/>
-          </a:bodyPr>
-          <a:lstStyle/>
-          <a:p>
-            <a:pPr marL="0" lvl="0" indent="0" algn="l" rtl="0">
-              <a:spcBef>
-                <a:spcPts val="0"/>
-              </a:spcBef>
-              <a:spcAft>
-                <a:spcPts val="0"/>
-              </a:spcAft>
-              <a:buNone/>
-            </a:pPr>
-            <a:r>
-              <a:rPr lang="en-US" sz="3000" b="1" dirty="0">
-                <a:solidFill>
-                  <a:srgbClr val="002060"/>
-                </a:solidFill>
-                <a:latin typeface="+mj-lt"/>
-                <a:ea typeface="Fira Sans Extra Condensed"/>
-                <a:cs typeface="Fira Sans Extra Condensed"/>
-                <a:sym typeface="Fira Sans Extra Condensed"/>
-              </a:rPr>
-              <a:t>Problem Statement</a:t>
-            </a:r>
-          </a:p>
-          <a:p>
-            <a:pPr marL="82550" lvl="0" algn="l" rtl="0">
-              <a:lnSpc>
-                <a:spcPct val="150000"/>
-              </a:lnSpc>
-              <a:spcBef>
-                <a:spcPts val="0"/>
-              </a:spcBef>
-              <a:spcAft>
-                <a:spcPts val="0"/>
-              </a:spcAft>
-              <a:buSzPts val="2300"/>
-            </a:pPr>
-            <a:endParaRPr lang="en-US" sz="1500" b="1" dirty="0">
-              <a:latin typeface="+mj-lt"/>
-              <a:ea typeface="Fira Sans Extra Condensed"/>
-              <a:cs typeface="Fira Sans Extra Condensed"/>
-              <a:sym typeface="Fira Sans Extra Condensed"/>
-            </a:endParaRPr>
-          </a:p>
-          <a:p>
-            <a:pPr marL="368300" lvl="0" indent="-285750" algn="l" rtl="0">
-              <a:lnSpc>
-                <a:spcPct val="150000"/>
-              </a:lnSpc>
-              <a:spcBef>
-                <a:spcPts val="0"/>
-              </a:spcBef>
-              <a:spcAft>
-                <a:spcPts val="0"/>
-              </a:spcAft>
-              <a:buSzPts val="2300"/>
-              <a:buFont typeface="Arial" panose="020B0604020202020204" pitchFamily="34" charset="0"/>
-              <a:buChar char="•"/>
-            </a:pPr>
-            <a:r>
-              <a:rPr lang="en-US" sz="1500" dirty="0">
-                <a:latin typeface="+mj-lt"/>
-                <a:ea typeface="Fira Sans Extra Condensed"/>
-                <a:cs typeface="Fira Sans Extra Condensed"/>
-                <a:sym typeface="Fira Sans Extra Condensed"/>
-              </a:rPr>
-              <a:t>Sign language is really important as it gives the bridge sport to the common people and people containing hearing disability</a:t>
-            </a:r>
-          </a:p>
-          <a:p>
-            <a:pPr marL="368300" lvl="0" indent="-285750" algn="l" rtl="0">
-              <a:lnSpc>
-                <a:spcPct val="150000"/>
-              </a:lnSpc>
-              <a:spcBef>
-                <a:spcPts val="0"/>
-              </a:spcBef>
-              <a:spcAft>
-                <a:spcPts val="0"/>
-              </a:spcAft>
-              <a:buSzPts val="2300"/>
-              <a:buFont typeface="Arial" panose="020B0604020202020204" pitchFamily="34" charset="0"/>
-              <a:buChar char="•"/>
-            </a:pPr>
-            <a:r>
-              <a:rPr lang="en-US" sz="1500" dirty="0">
-                <a:latin typeface="+mj-lt"/>
-                <a:ea typeface="Fira Sans Extra Condensed"/>
-                <a:cs typeface="Fira Sans Extra Condensed"/>
-                <a:sym typeface="Fira Sans Extra Condensed"/>
-              </a:rPr>
-              <a:t>Experimental Analysis of these machine learning algorithms </a:t>
-            </a:r>
-            <a:r>
-              <a:rPr lang="en-US" sz="1500" dirty="0" err="1">
-                <a:latin typeface="+mj-lt"/>
-                <a:ea typeface="Fira Sans Extra Condensed"/>
-                <a:cs typeface="Fira Sans Extra Condensed"/>
-                <a:sym typeface="Fira Sans Extra Condensed"/>
-              </a:rPr>
-              <a:t>XGBoost</a:t>
-            </a:r>
-            <a:r>
-              <a:rPr lang="en-US" sz="1500" dirty="0">
-                <a:latin typeface="+mj-lt"/>
-                <a:ea typeface="Fira Sans Extra Condensed"/>
-                <a:cs typeface="Fira Sans Extra Condensed"/>
-                <a:sym typeface="Fira Sans Extra Condensed"/>
-              </a:rPr>
-              <a:t>, </a:t>
-            </a:r>
-            <a:r>
-              <a:rPr lang="en-US" sz="1500" dirty="0" err="1">
-                <a:latin typeface="+mj-lt"/>
-                <a:ea typeface="Fira Sans Extra Condensed"/>
-                <a:cs typeface="Fira Sans Extra Condensed"/>
-                <a:sym typeface="Fira Sans Extra Condensed"/>
-              </a:rPr>
-              <a:t>LightGBM</a:t>
-            </a:r>
-            <a:r>
-              <a:rPr lang="en-US" sz="1500" dirty="0">
-                <a:latin typeface="+mj-lt"/>
-                <a:ea typeface="Fira Sans Extra Condensed"/>
-                <a:cs typeface="Fira Sans Extra Condensed"/>
-                <a:sym typeface="Fira Sans Extra Condensed"/>
-              </a:rPr>
-              <a:t>, Support Vector Machine, Decision Tree, and Random Forest in the area of SLRS</a:t>
-            </a:r>
-          </a:p>
-        </p:txBody>
-      </p:sp>
-    </p:spTree>
-    <p:extLst>
-      <p:ext uri="{BB962C8B-B14F-4D97-AF65-F5344CB8AC3E}">
-        <p14:creationId xmlns:p14="http://schemas.microsoft.com/office/powerpoint/2010/main" val="3614502053"/>
       </p:ext>
     </p:extLst>
   </p:cSld>
